--- a/LocalitySensitiveHashing/优化原理示意图.pptx
+++ b/LocalitySensitiveHashing/优化原理示意图.pptx
@@ -199,7 +199,7 @@
           <a:p>
             <a:fld id="{922AF6E8-AD6B-46BC-9A57-55C7F88CDE97}" type="datetimeFigureOut">
               <a:rPr lang="zh-CN" altLang="en-US" smtClean="0"/>
-              <a:t>2017/5/26</a:t>
+              <a:t>2017/5/27</a:t>
             </a:fld>
             <a:endParaRPr lang="zh-CN" altLang="en-US"/>
           </a:p>
@@ -496,8 +496,8 @@
         </p:nvSpPr>
         <p:spPr/>
       </p:sp>
-      <mc:AlternateContent xmlns:mc="http://schemas.openxmlformats.org/markup-compatibility/2006">
-        <mc:Choice xmlns:a14="http://schemas.microsoft.com/office/drawing/2010/main" Requires="a14">
+      <mc:AlternateContent xmlns:mc="http://schemas.openxmlformats.org/markup-compatibility/2006" xmlns:a14="http://schemas.microsoft.com/office/drawing/2010/main">
+        <mc:Choice Requires="a14">
           <p:sp>
             <p:nvSpPr>
               <p:cNvPr id="3" name="备注占位符 2"/>
@@ -672,7 +672,7 @@
             </p:txBody>
           </p:sp>
         </mc:Choice>
-        <mc:Fallback>
+        <mc:Fallback xmlns="">
           <p:sp>
             <p:nvSpPr>
               <p:cNvPr id="3" name="备注占位符 2"/>
@@ -894,8 +894,8 @@
         </p:nvSpPr>
         <p:spPr/>
       </p:sp>
-      <mc:AlternateContent xmlns:mc="http://schemas.openxmlformats.org/markup-compatibility/2006">
-        <mc:Choice xmlns:a14="http://schemas.microsoft.com/office/drawing/2010/main" Requires="a14">
+      <mc:AlternateContent xmlns:mc="http://schemas.openxmlformats.org/markup-compatibility/2006" xmlns:a14="http://schemas.microsoft.com/office/drawing/2010/main">
+        <mc:Choice Requires="a14">
           <p:sp>
             <p:nvSpPr>
               <p:cNvPr id="3" name="备注占位符 2"/>
@@ -1030,7 +1030,7 @@
             </p:txBody>
           </p:sp>
         </mc:Choice>
-        <mc:Fallback>
+        <mc:Fallback xmlns="">
           <p:sp>
             <p:nvSpPr>
               <p:cNvPr id="3" name="备注占位符 2"/>
@@ -1585,7 +1585,7 @@
           <a:p>
             <a:fld id="{8D67C313-968A-4729-8E14-EB06C733C959}" type="datetimeFigureOut">
               <a:rPr lang="zh-CN" altLang="en-US" smtClean="0"/>
-              <a:t>2017/5/26</a:t>
+              <a:t>2017/5/27</a:t>
             </a:fld>
             <a:endParaRPr lang="zh-CN" altLang="en-US"/>
           </a:p>
@@ -1755,7 +1755,7 @@
           <a:p>
             <a:fld id="{8D67C313-968A-4729-8E14-EB06C733C959}" type="datetimeFigureOut">
               <a:rPr lang="zh-CN" altLang="en-US" smtClean="0"/>
-              <a:t>2017/5/26</a:t>
+              <a:t>2017/5/27</a:t>
             </a:fld>
             <a:endParaRPr lang="zh-CN" altLang="en-US"/>
           </a:p>
@@ -1935,7 +1935,7 @@
           <a:p>
             <a:fld id="{8D67C313-968A-4729-8E14-EB06C733C959}" type="datetimeFigureOut">
               <a:rPr lang="zh-CN" altLang="en-US" smtClean="0"/>
-              <a:t>2017/5/26</a:t>
+              <a:t>2017/5/27</a:t>
             </a:fld>
             <a:endParaRPr lang="zh-CN" altLang="en-US"/>
           </a:p>
@@ -2105,7 +2105,7 @@
           <a:p>
             <a:fld id="{8D67C313-968A-4729-8E14-EB06C733C959}" type="datetimeFigureOut">
               <a:rPr lang="zh-CN" altLang="en-US" smtClean="0"/>
-              <a:t>2017/5/26</a:t>
+              <a:t>2017/5/27</a:t>
             </a:fld>
             <a:endParaRPr lang="zh-CN" altLang="en-US"/>
           </a:p>
@@ -2351,7 +2351,7 @@
           <a:p>
             <a:fld id="{8D67C313-968A-4729-8E14-EB06C733C959}" type="datetimeFigureOut">
               <a:rPr lang="zh-CN" altLang="en-US" smtClean="0"/>
-              <a:t>2017/5/26</a:t>
+              <a:t>2017/5/27</a:t>
             </a:fld>
             <a:endParaRPr lang="zh-CN" altLang="en-US"/>
           </a:p>
@@ -2583,7 +2583,7 @@
           <a:p>
             <a:fld id="{8D67C313-968A-4729-8E14-EB06C733C959}" type="datetimeFigureOut">
               <a:rPr lang="zh-CN" altLang="en-US" smtClean="0"/>
-              <a:t>2017/5/26</a:t>
+              <a:t>2017/5/27</a:t>
             </a:fld>
             <a:endParaRPr lang="zh-CN" altLang="en-US"/>
           </a:p>
@@ -2950,7 +2950,7 @@
           <a:p>
             <a:fld id="{8D67C313-968A-4729-8E14-EB06C733C959}" type="datetimeFigureOut">
               <a:rPr lang="zh-CN" altLang="en-US" smtClean="0"/>
-              <a:t>2017/5/26</a:t>
+              <a:t>2017/5/27</a:t>
             </a:fld>
             <a:endParaRPr lang="zh-CN" altLang="en-US"/>
           </a:p>
@@ -3068,7 +3068,7 @@
           <a:p>
             <a:fld id="{8D67C313-968A-4729-8E14-EB06C733C959}" type="datetimeFigureOut">
               <a:rPr lang="zh-CN" altLang="en-US" smtClean="0"/>
-              <a:t>2017/5/26</a:t>
+              <a:t>2017/5/27</a:t>
             </a:fld>
             <a:endParaRPr lang="zh-CN" altLang="en-US"/>
           </a:p>
@@ -3163,7 +3163,7 @@
           <a:p>
             <a:fld id="{8D67C313-968A-4729-8E14-EB06C733C959}" type="datetimeFigureOut">
               <a:rPr lang="zh-CN" altLang="en-US" smtClean="0"/>
-              <a:t>2017/5/26</a:t>
+              <a:t>2017/5/27</a:t>
             </a:fld>
             <a:endParaRPr lang="zh-CN" altLang="en-US"/>
           </a:p>
@@ -3440,7 +3440,7 @@
           <a:p>
             <a:fld id="{8D67C313-968A-4729-8E14-EB06C733C959}" type="datetimeFigureOut">
               <a:rPr lang="zh-CN" altLang="en-US" smtClean="0"/>
-              <a:t>2017/5/26</a:t>
+              <a:t>2017/5/27</a:t>
             </a:fld>
             <a:endParaRPr lang="zh-CN" altLang="en-US"/>
           </a:p>
@@ -3693,7 +3693,7 @@
           <a:p>
             <a:fld id="{8D67C313-968A-4729-8E14-EB06C733C959}" type="datetimeFigureOut">
               <a:rPr lang="zh-CN" altLang="en-US" smtClean="0"/>
-              <a:t>2017/5/26</a:t>
+              <a:t>2017/5/27</a:t>
             </a:fld>
             <a:endParaRPr lang="zh-CN" altLang="en-US"/>
           </a:p>
@@ -3906,7 +3906,7 @@
           <a:p>
             <a:fld id="{8D67C313-968A-4729-8E14-EB06C733C959}" type="datetimeFigureOut">
               <a:rPr lang="zh-CN" altLang="en-US" smtClean="0"/>
-              <a:t>2017/5/26</a:t>
+              <a:t>2017/5/27</a:t>
             </a:fld>
             <a:endParaRPr lang="zh-CN" altLang="en-US"/>
           </a:p>
@@ -4319,7 +4319,7 @@
         </p:nvSpPr>
         <p:spPr>
           <a:xfrm>
-            <a:off x="2770909" y="9236"/>
+            <a:off x="4271457" y="56128"/>
             <a:ext cx="6382327" cy="4775824"/>
           </a:xfrm>
           <a:prstGeom prst="flowChartProcess">
@@ -4365,8 +4365,8 @@
         </p:nvGrpSpPr>
         <p:grpSpPr>
           <a:xfrm>
-            <a:off x="112100" y="2570133"/>
-            <a:ext cx="1503527" cy="2596250"/>
+            <a:off x="2407861" y="2617025"/>
+            <a:ext cx="708314" cy="2596250"/>
             <a:chOff x="368490" y="1429840"/>
             <a:chExt cx="1503527" cy="2596250"/>
           </a:xfrm>
@@ -4923,7 +4923,7 @@
         </p:nvGrpSpPr>
         <p:grpSpPr>
           <a:xfrm>
-            <a:off x="4174836" y="96553"/>
+            <a:off x="5675384" y="143445"/>
             <a:ext cx="4674077" cy="4235302"/>
             <a:chOff x="4189862" y="696919"/>
             <a:chExt cx="4659051" cy="5278090"/>
@@ -6210,7 +6210,7 @@
         </p:nvCxnSpPr>
         <p:spPr>
           <a:xfrm>
-            <a:off x="6311641" y="3646650"/>
+            <a:off x="7812189" y="3693542"/>
             <a:ext cx="3620886" cy="171233"/>
           </a:xfrm>
           <a:prstGeom prst="straightConnector1">
@@ -6243,8 +6243,8 @@
         </p:nvSpPr>
         <p:spPr>
           <a:xfrm>
-            <a:off x="10042180" y="2554243"/>
-            <a:ext cx="1958109" cy="2657736"/>
+            <a:off x="11542729" y="2601135"/>
+            <a:ext cx="606500" cy="2657736"/>
           </a:xfrm>
           <a:prstGeom prst="flowChartProcess">
             <a:avLst/>
@@ -6280,7 +6280,55 @@
                   <a:schemeClr val="tx1"/>
                 </a:solidFill>
               </a:rPr>
-              <a:t>最终结果</a:t>
+              <a:t>最</a:t>
+            </a:r>
+            <a:endParaRPr lang="en-US" altLang="zh-CN" b="1" dirty="0" smtClean="0">
+              <a:solidFill>
+                <a:schemeClr val="tx1"/>
+              </a:solidFill>
+            </a:endParaRPr>
+          </a:p>
+          <a:p>
+            <a:pPr algn="ctr"/>
+            <a:r>
+              <a:rPr lang="zh-CN" altLang="en-US" b="1" dirty="0" smtClean="0">
+                <a:solidFill>
+                  <a:schemeClr val="tx1"/>
+                </a:solidFill>
+              </a:rPr>
+              <a:t>终</a:t>
+            </a:r>
+            <a:endParaRPr lang="en-US" altLang="zh-CN" b="1" dirty="0" smtClean="0">
+              <a:solidFill>
+                <a:schemeClr val="tx1"/>
+              </a:solidFill>
+            </a:endParaRPr>
+          </a:p>
+          <a:p>
+            <a:pPr algn="ctr"/>
+            <a:r>
+              <a:rPr lang="zh-CN" altLang="en-US" b="1" dirty="0" smtClean="0">
+                <a:solidFill>
+                  <a:schemeClr val="tx1"/>
+                </a:solidFill>
+              </a:rPr>
+              <a:t>结</a:t>
+            </a:r>
+            <a:endParaRPr lang="en-US" altLang="zh-CN" b="1" dirty="0" smtClean="0">
+              <a:solidFill>
+                <a:schemeClr val="tx1"/>
+              </a:solidFill>
+            </a:endParaRPr>
+          </a:p>
+          <a:p>
+            <a:pPr algn="ctr"/>
+            <a:r>
+              <a:rPr lang="zh-CN" altLang="en-US" b="1" dirty="0" smtClean="0">
+                <a:solidFill>
+                  <a:schemeClr val="tx1"/>
+                </a:solidFill>
+              </a:rPr>
+              <a:t>果</a:t>
             </a:r>
             <a:endParaRPr lang="zh-CN" altLang="en-US" b="1" dirty="0">
               <a:solidFill>
@@ -6298,7 +6346,7 @@
         </p:nvSpPr>
         <p:spPr>
           <a:xfrm>
-            <a:off x="3199850" y="2399996"/>
+            <a:off x="4700398" y="2446888"/>
             <a:ext cx="424873" cy="923330"/>
           </a:xfrm>
           <a:prstGeom prst="rect">
@@ -6328,7 +6376,7 @@
         </p:nvSpPr>
         <p:spPr>
           <a:xfrm>
-            <a:off x="2770909" y="4981998"/>
+            <a:off x="4271457" y="5028890"/>
             <a:ext cx="6382327" cy="494755"/>
           </a:xfrm>
           <a:prstGeom prst="flowChartProcess">
@@ -6386,7 +6434,7 @@
         </p:nvSpPr>
         <p:spPr>
           <a:xfrm>
-            <a:off x="2770909" y="6038289"/>
+            <a:off x="4271457" y="6085181"/>
             <a:ext cx="6382327" cy="494755"/>
           </a:xfrm>
           <a:prstGeom prst="flowChartProcess">
@@ -6460,7 +6508,7 @@
         </p:nvSpPr>
         <p:spPr>
           <a:xfrm>
-            <a:off x="5658770" y="5537979"/>
+            <a:off x="7159318" y="5584871"/>
             <a:ext cx="1126522" cy="369332"/>
           </a:xfrm>
           <a:prstGeom prst="rect">
@@ -6490,7 +6538,7 @@
         </p:nvCxnSpPr>
         <p:spPr>
           <a:xfrm flipV="1">
-            <a:off x="9218359" y="4529492"/>
+            <a:off x="10718907" y="4576384"/>
             <a:ext cx="714168" cy="674345"/>
           </a:xfrm>
           <a:prstGeom prst="straightConnector1">
@@ -6523,7 +6571,7 @@
         </p:nvCxnSpPr>
         <p:spPr>
           <a:xfrm flipV="1">
-            <a:off x="9218359" y="5306349"/>
+            <a:off x="10718907" y="5353241"/>
             <a:ext cx="1065057" cy="948306"/>
           </a:xfrm>
           <a:prstGeom prst="straightConnector1">
@@ -6556,7 +6604,7 @@
         </p:nvCxnSpPr>
         <p:spPr>
           <a:xfrm>
-            <a:off x="1686604" y="4212255"/>
+            <a:off x="3187152" y="4259147"/>
             <a:ext cx="964699" cy="1017120"/>
           </a:xfrm>
           <a:prstGeom prst="straightConnector1">
@@ -6589,7 +6637,7 @@
         </p:nvCxnSpPr>
         <p:spPr>
           <a:xfrm>
-            <a:off x="1654367" y="5306349"/>
+            <a:off x="3154915" y="5353241"/>
             <a:ext cx="964699" cy="1017120"/>
           </a:xfrm>
           <a:prstGeom prst="straightConnector1">
@@ -6622,7 +6670,7 @@
         </p:nvGrpSpPr>
         <p:grpSpPr>
           <a:xfrm>
-            <a:off x="1732959" y="1436966"/>
+            <a:off x="3233507" y="1483858"/>
             <a:ext cx="2348665" cy="1576143"/>
             <a:chOff x="1732959" y="1436966"/>
             <a:chExt cx="2348665" cy="1576143"/>
@@ -6702,7 +6750,7 @@
             </p:nvSpPr>
             <p:spPr>
               <a:xfrm>
-                <a:off x="4310022" y="1917260"/>
+                <a:off x="5810570" y="1964152"/>
                 <a:ext cx="1348158" cy="307777"/>
               </a:xfrm>
               <a:prstGeom prst="rect">
@@ -6773,7 +6821,7 @@
             </p:nvSpPr>
             <p:spPr>
               <a:xfrm>
-                <a:off x="4310022" y="1917260"/>
+                <a:off x="5810570" y="1964152"/>
                 <a:ext cx="1348158" cy="307777"/>
               </a:xfrm>
               <a:prstGeom prst="rect">
@@ -6782,7 +6830,7 @@
               <a:blipFill rotWithShape="0">
                 <a:blip r:embed="rId3"/>
                 <a:stretch>
-                  <a:fillRect t="-8000" b="-16000"/>
+                  <a:fillRect t="-7843" b="-15686"/>
                 </a:stretch>
               </a:blipFill>
             </p:spPr>
@@ -6809,7 +6857,7 @@
         </p:nvSpPr>
         <p:spPr>
           <a:xfrm>
-            <a:off x="316523" y="2133600"/>
+            <a:off x="2154916" y="2157872"/>
             <a:ext cx="1206704" cy="369332"/>
           </a:xfrm>
           <a:prstGeom prst="rect">
@@ -6831,6 +6879,357 @@
           </a:p>
         </p:txBody>
       </p:sp>
+      <p:sp>
+        <p:nvSpPr>
+          <p:cNvPr id="37" name="文本框 36"/>
+          <p:cNvSpPr txBox="1"/>
+          <p:nvPr/>
+        </p:nvSpPr>
+        <p:spPr>
+          <a:xfrm>
+            <a:off x="178821" y="96908"/>
+            <a:ext cx="3314531" cy="923330"/>
+          </a:xfrm>
+          <a:prstGeom prst="rect">
+            <a:avLst/>
+          </a:prstGeom>
+          <a:noFill/>
+        </p:spPr>
+        <p:txBody>
+          <a:bodyPr wrap="square" rtlCol="0">
+            <a:spAutoFit/>
+          </a:bodyPr>
+          <a:lstStyle/>
+          <a:p>
+            <a:r>
+              <a:rPr lang="zh-CN" altLang="en-US" dirty="0" smtClean="0"/>
+              <a:t>对比</a:t>
+            </a:r>
+            <a:r>
+              <a:rPr lang="en-US" altLang="zh-CN" dirty="0" smtClean="0"/>
+              <a:t>Spark</a:t>
+            </a:r>
+            <a:r>
+              <a:rPr lang="zh-CN" altLang="en-US" dirty="0" smtClean="0"/>
+              <a:t>社区</a:t>
+            </a:r>
+            <a:r>
+              <a:rPr lang="en-US" altLang="zh-CN" dirty="0" smtClean="0"/>
+              <a:t>LSH</a:t>
+            </a:r>
+            <a:r>
+              <a:rPr lang="zh-CN" altLang="en-US" dirty="0" smtClean="0"/>
+              <a:t>，速率提升</a:t>
+            </a:r>
+            <a:r>
+              <a:rPr lang="en-US" altLang="zh-CN" dirty="0" smtClean="0"/>
+              <a:t>12.4</a:t>
+            </a:r>
+            <a:r>
+              <a:rPr lang="zh-CN" altLang="en-US" dirty="0" smtClean="0"/>
+              <a:t>倍。优化思路主要为算法角度，工程角度以及两者结合。</a:t>
+            </a:r>
+            <a:endParaRPr lang="zh-CN" altLang="en-US" dirty="0"/>
+          </a:p>
+        </p:txBody>
+      </p:sp>
+      <p:grpSp>
+        <p:nvGrpSpPr>
+          <p:cNvPr id="76" name="组合 75"/>
+          <p:cNvGrpSpPr/>
+          <p:nvPr/>
+        </p:nvGrpSpPr>
+        <p:grpSpPr>
+          <a:xfrm>
+            <a:off x="730320" y="1051787"/>
+            <a:ext cx="2537213" cy="1017560"/>
+            <a:chOff x="730320" y="1051787"/>
+            <a:chExt cx="2537213" cy="1017560"/>
+          </a:xfrm>
+        </p:grpSpPr>
+        <p:sp>
+          <p:nvSpPr>
+            <p:cNvPr id="80" name="文本框 79"/>
+            <p:cNvSpPr txBox="1"/>
+            <p:nvPr/>
+          </p:nvSpPr>
+          <p:spPr>
+            <a:xfrm>
+              <a:off x="2367523" y="1556358"/>
+              <a:ext cx="900010" cy="307777"/>
+            </a:xfrm>
+            <a:prstGeom prst="rect">
+              <a:avLst/>
+            </a:prstGeom>
+            <a:noFill/>
+          </p:spPr>
+          <p:txBody>
+            <a:bodyPr wrap="square" rtlCol="0">
+              <a:spAutoFit/>
+            </a:bodyPr>
+            <a:lstStyle/>
+            <a:p>
+              <a:r>
+                <a:rPr lang="en-US" altLang="zh-CN" sz="1400" b="1" dirty="0" smtClean="0"/>
+                <a:t>20%</a:t>
+              </a:r>
+              <a:endParaRPr lang="zh-CN" altLang="en-US" sz="1400" b="1" dirty="0"/>
+            </a:p>
+          </p:txBody>
+        </p:sp>
+        <p:grpSp>
+          <p:nvGrpSpPr>
+            <p:cNvPr id="81" name="组合 80"/>
+            <p:cNvGrpSpPr/>
+            <p:nvPr/>
+          </p:nvGrpSpPr>
+          <p:grpSpPr>
+            <a:xfrm>
+              <a:off x="730320" y="1051787"/>
+              <a:ext cx="2133046" cy="1017560"/>
+              <a:chOff x="363415" y="1016930"/>
+              <a:chExt cx="2133046" cy="1017560"/>
+            </a:xfrm>
+          </p:grpSpPr>
+          <p:grpSp>
+            <p:nvGrpSpPr>
+              <p:cNvPr id="90" name="组合 89"/>
+              <p:cNvGrpSpPr/>
+              <p:nvPr/>
+            </p:nvGrpSpPr>
+            <p:grpSpPr>
+              <a:xfrm>
+                <a:off x="363415" y="1322096"/>
+                <a:ext cx="2129730" cy="712394"/>
+                <a:chOff x="175847" y="1251758"/>
+                <a:chExt cx="2129730" cy="712394"/>
+              </a:xfrm>
+            </p:grpSpPr>
+            <p:sp>
+              <p:nvSpPr>
+                <p:cNvPr id="97" name="椭圆 96"/>
+                <p:cNvSpPr/>
+                <p:nvPr/>
+              </p:nvSpPr>
+              <p:spPr>
+                <a:xfrm>
+                  <a:off x="175847" y="1254369"/>
+                  <a:ext cx="1641231" cy="709783"/>
+                </a:xfrm>
+                <a:prstGeom prst="ellipse">
+                  <a:avLst/>
+                </a:prstGeom>
+                <a:solidFill>
+                  <a:schemeClr val="bg1"/>
+                </a:solidFill>
+                <a:ln>
+                  <a:solidFill>
+                    <a:schemeClr val="tx1"/>
+                  </a:solidFill>
+                </a:ln>
+              </p:spPr>
+              <p:style>
+                <a:lnRef idx="2">
+                  <a:schemeClr val="accent1">
+                    <a:shade val="50000"/>
+                  </a:schemeClr>
+                </a:lnRef>
+                <a:fillRef idx="1">
+                  <a:schemeClr val="accent1"/>
+                </a:fillRef>
+                <a:effectRef idx="0">
+                  <a:schemeClr val="accent1"/>
+                </a:effectRef>
+                <a:fontRef idx="minor">
+                  <a:schemeClr val="lt1"/>
+                </a:fontRef>
+              </p:style>
+              <p:txBody>
+                <a:bodyPr rtlCol="0" anchor="ctr"/>
+                <a:lstStyle/>
+                <a:p>
+                  <a:pPr algn="ctr"/>
+                  <a:endParaRPr lang="zh-CN" altLang="en-US" dirty="0">
+                    <a:solidFill>
+                      <a:schemeClr val="tx1"/>
+                    </a:solidFill>
+                  </a:endParaRPr>
+                </a:p>
+              </p:txBody>
+            </p:sp>
+            <p:sp>
+              <p:nvSpPr>
+                <p:cNvPr id="99" name="椭圆 98"/>
+                <p:cNvSpPr/>
+                <p:nvPr/>
+              </p:nvSpPr>
+              <p:spPr>
+                <a:xfrm>
+                  <a:off x="664346" y="1251758"/>
+                  <a:ext cx="1641231" cy="709783"/>
+                </a:xfrm>
+                <a:prstGeom prst="ellipse">
+                  <a:avLst/>
+                </a:prstGeom>
+                <a:noFill/>
+                <a:ln>
+                  <a:solidFill>
+                    <a:schemeClr val="tx1"/>
+                  </a:solidFill>
+                </a:ln>
+              </p:spPr>
+              <p:style>
+                <a:lnRef idx="2">
+                  <a:schemeClr val="accent2">
+                    <a:shade val="50000"/>
+                  </a:schemeClr>
+                </a:lnRef>
+                <a:fillRef idx="1">
+                  <a:schemeClr val="accent2"/>
+                </a:fillRef>
+                <a:effectRef idx="0">
+                  <a:schemeClr val="accent2"/>
+                </a:effectRef>
+                <a:fontRef idx="minor">
+                  <a:schemeClr val="lt1"/>
+                </a:fontRef>
+              </p:style>
+              <p:txBody>
+                <a:bodyPr rtlCol="0" anchor="ctr"/>
+                <a:lstStyle/>
+                <a:p>
+                  <a:pPr algn="ctr"/>
+                  <a:endParaRPr lang="zh-CN" altLang="en-US" dirty="0">
+                    <a:solidFill>
+                      <a:schemeClr val="tx1"/>
+                    </a:solidFill>
+                  </a:endParaRPr>
+                </a:p>
+              </p:txBody>
+            </p:sp>
+          </p:grpSp>
+          <p:sp>
+            <p:nvSpPr>
+              <p:cNvPr id="92" name="文本框 91"/>
+              <p:cNvSpPr txBox="1"/>
+              <p:nvPr/>
+            </p:nvSpPr>
+            <p:spPr>
+              <a:xfrm>
+                <a:off x="564954" y="1016930"/>
+                <a:ext cx="900010" cy="307777"/>
+              </a:xfrm>
+              <a:prstGeom prst="rect">
+                <a:avLst/>
+              </a:prstGeom>
+              <a:noFill/>
+            </p:spPr>
+            <p:txBody>
+              <a:bodyPr wrap="square" rtlCol="0">
+                <a:spAutoFit/>
+              </a:bodyPr>
+              <a:lstStyle/>
+              <a:p>
+                <a:r>
+                  <a:rPr lang="zh-CN" altLang="en-US" sz="1400" b="1" dirty="0" smtClean="0"/>
+                  <a:t>算法</a:t>
+                </a:r>
+                <a:endParaRPr lang="zh-CN" altLang="en-US" sz="1400" b="1" dirty="0"/>
+              </a:p>
+            </p:txBody>
+          </p:sp>
+          <p:sp>
+            <p:nvSpPr>
+              <p:cNvPr id="93" name="文本框 92"/>
+              <p:cNvSpPr txBox="1"/>
+              <p:nvPr/>
+            </p:nvSpPr>
+            <p:spPr>
+              <a:xfrm>
+                <a:off x="1596451" y="1028840"/>
+                <a:ext cx="900010" cy="307777"/>
+              </a:xfrm>
+              <a:prstGeom prst="rect">
+                <a:avLst/>
+              </a:prstGeom>
+              <a:noFill/>
+            </p:spPr>
+            <p:txBody>
+              <a:bodyPr wrap="square" rtlCol="0">
+                <a:spAutoFit/>
+              </a:bodyPr>
+              <a:lstStyle/>
+              <a:p>
+                <a:r>
+                  <a:rPr lang="zh-CN" altLang="en-US" sz="1400" b="1" dirty="0" smtClean="0"/>
+                  <a:t>工程</a:t>
+                </a:r>
+                <a:endParaRPr lang="zh-CN" altLang="en-US" sz="1400" b="1" dirty="0"/>
+              </a:p>
+            </p:txBody>
+          </p:sp>
+          <p:sp>
+            <p:nvSpPr>
+              <p:cNvPr id="94" name="文本框 93"/>
+              <p:cNvSpPr txBox="1"/>
+              <p:nvPr/>
+            </p:nvSpPr>
+            <p:spPr>
+              <a:xfrm>
+                <a:off x="365223" y="1523098"/>
+                <a:ext cx="900010" cy="307777"/>
+              </a:xfrm>
+              <a:prstGeom prst="rect">
+                <a:avLst/>
+              </a:prstGeom>
+              <a:noFill/>
+            </p:spPr>
+            <p:txBody>
+              <a:bodyPr wrap="square" rtlCol="0">
+                <a:spAutoFit/>
+              </a:bodyPr>
+              <a:lstStyle/>
+              <a:p>
+                <a:r>
+                  <a:rPr lang="en-US" altLang="zh-CN" sz="1400" b="1" dirty="0" smtClean="0"/>
+                  <a:t>30%</a:t>
+                </a:r>
+                <a:endParaRPr lang="zh-CN" altLang="en-US" sz="1400" b="1" dirty="0"/>
+              </a:p>
+            </p:txBody>
+          </p:sp>
+          <p:sp>
+            <p:nvSpPr>
+              <p:cNvPr id="95" name="文本框 94"/>
+              <p:cNvSpPr txBox="1"/>
+              <p:nvPr/>
+            </p:nvSpPr>
+            <p:spPr>
+              <a:xfrm>
+                <a:off x="1206951" y="1520362"/>
+                <a:ext cx="900010" cy="307777"/>
+              </a:xfrm>
+              <a:prstGeom prst="rect">
+                <a:avLst/>
+              </a:prstGeom>
+              <a:noFill/>
+            </p:spPr>
+            <p:txBody>
+              <a:bodyPr wrap="square" rtlCol="0">
+                <a:spAutoFit/>
+              </a:bodyPr>
+              <a:lstStyle/>
+              <a:p>
+                <a:r>
+                  <a:rPr lang="en-US" altLang="zh-CN" sz="1400" b="1" dirty="0" smtClean="0"/>
+                  <a:t>50%</a:t>
+                </a:r>
+                <a:endParaRPr lang="zh-CN" altLang="en-US" sz="1400" b="1" dirty="0"/>
+              </a:p>
+            </p:txBody>
+          </p:sp>
+        </p:grpSp>
+      </p:grpSp>
     </p:spTree>
     <p:extLst>
       <p:ext uri="{BB962C8B-B14F-4D97-AF65-F5344CB8AC3E}">
@@ -6876,7 +7275,7 @@
         </p:nvSpPr>
         <p:spPr>
           <a:xfrm>
-            <a:off x="2770909" y="0"/>
+            <a:off x="4259735" y="58615"/>
             <a:ext cx="6382327" cy="4775824"/>
           </a:xfrm>
           <a:prstGeom prst="flowChartProcess">
@@ -6916,571 +7315,13 @@
       </p:sp>
       <p:grpSp>
         <p:nvGrpSpPr>
-          <p:cNvPr id="23" name="组合 22"/>
-          <p:cNvGrpSpPr/>
-          <p:nvPr/>
-        </p:nvGrpSpPr>
-        <p:grpSpPr>
-          <a:xfrm>
-            <a:off x="112100" y="2570133"/>
-            <a:ext cx="1503527" cy="2596250"/>
-            <a:chOff x="368490" y="1429840"/>
-            <a:chExt cx="1503527" cy="2596250"/>
-          </a:xfrm>
-        </p:grpSpPr>
-        <p:grpSp>
-          <p:nvGrpSpPr>
-            <p:cNvPr id="17" name="组合 16"/>
-            <p:cNvGrpSpPr/>
-            <p:nvPr/>
-          </p:nvGrpSpPr>
-          <p:grpSpPr>
-            <a:xfrm>
-              <a:off x="368490" y="1429840"/>
-              <a:ext cx="1503527" cy="2596250"/>
-              <a:chOff x="368490" y="1429840"/>
-              <a:chExt cx="1503527" cy="2596250"/>
-            </a:xfrm>
-          </p:grpSpPr>
-          <p:sp>
-            <p:nvSpPr>
-              <p:cNvPr id="4" name="矩形 3"/>
-              <p:cNvSpPr/>
-              <p:nvPr/>
-            </p:nvSpPr>
-            <p:spPr>
-              <a:xfrm>
-                <a:off x="368490" y="1429840"/>
-                <a:ext cx="1501253" cy="2596250"/>
-              </a:xfrm>
-              <a:prstGeom prst="rect">
-                <a:avLst/>
-              </a:prstGeom>
-              <a:ln w="28575">
-                <a:solidFill>
-                  <a:schemeClr val="tx1"/>
-                </a:solidFill>
-              </a:ln>
-            </p:spPr>
-            <p:style>
-              <a:lnRef idx="2">
-                <a:schemeClr val="accent3"/>
-              </a:lnRef>
-              <a:fillRef idx="1">
-                <a:schemeClr val="lt1"/>
-              </a:fillRef>
-              <a:effectRef idx="0">
-                <a:schemeClr val="accent3"/>
-              </a:effectRef>
-              <a:fontRef idx="minor">
-                <a:schemeClr val="dk1"/>
-              </a:fontRef>
-            </p:style>
-            <p:txBody>
-              <a:bodyPr rtlCol="0" anchor="ctr"/>
-              <a:lstStyle/>
-              <a:p>
-                <a:pPr algn="ctr"/>
-                <a:endParaRPr lang="zh-CN" altLang="en-US"/>
-              </a:p>
-            </p:txBody>
-          </p:sp>
-          <p:cxnSp>
-            <p:nvCxnSpPr>
-              <p:cNvPr id="6" name="直接连接符 5"/>
-              <p:cNvCxnSpPr/>
-              <p:nvPr/>
-            </p:nvCxnSpPr>
-            <p:spPr>
-              <a:xfrm>
-                <a:off x="382137" y="1926608"/>
-                <a:ext cx="1487606" cy="0"/>
-              </a:xfrm>
-              <a:prstGeom prst="line">
-                <a:avLst/>
-              </a:prstGeom>
-              <a:ln w="28575">
-                <a:solidFill>
-                  <a:schemeClr val="tx1"/>
-                </a:solidFill>
-              </a:ln>
-            </p:spPr>
-            <p:style>
-              <a:lnRef idx="1">
-                <a:schemeClr val="accent1"/>
-              </a:lnRef>
-              <a:fillRef idx="0">
-                <a:schemeClr val="accent1"/>
-              </a:fillRef>
-              <a:effectRef idx="0">
-                <a:schemeClr val="accent1"/>
-              </a:effectRef>
-              <a:fontRef idx="minor">
-                <a:schemeClr val="tx1"/>
-              </a:fontRef>
-            </p:style>
-          </p:cxnSp>
-          <p:cxnSp>
-            <p:nvCxnSpPr>
-              <p:cNvPr id="8" name="直接连接符 7"/>
-              <p:cNvCxnSpPr/>
-              <p:nvPr/>
-            </p:nvCxnSpPr>
-            <p:spPr>
-              <a:xfrm>
-                <a:off x="368490" y="1599062"/>
-                <a:ext cx="1487606" cy="0"/>
-              </a:xfrm>
-              <a:prstGeom prst="line">
-                <a:avLst/>
-              </a:prstGeom>
-              <a:ln w="28575">
-                <a:solidFill>
-                  <a:schemeClr val="tx1"/>
-                </a:solidFill>
-              </a:ln>
-            </p:spPr>
-            <p:style>
-              <a:lnRef idx="1">
-                <a:schemeClr val="accent1"/>
-              </a:lnRef>
-              <a:fillRef idx="0">
-                <a:schemeClr val="accent1"/>
-              </a:fillRef>
-              <a:effectRef idx="0">
-                <a:schemeClr val="accent1"/>
-              </a:effectRef>
-              <a:fontRef idx="minor">
-                <a:schemeClr val="tx1"/>
-              </a:fontRef>
-            </p:style>
-          </p:cxnSp>
-          <p:cxnSp>
-            <p:nvCxnSpPr>
-              <p:cNvPr id="9" name="直接连接符 8"/>
-              <p:cNvCxnSpPr/>
-              <p:nvPr/>
-            </p:nvCxnSpPr>
-            <p:spPr>
-              <a:xfrm>
-                <a:off x="368490" y="1762835"/>
-                <a:ext cx="1487606" cy="0"/>
-              </a:xfrm>
-              <a:prstGeom prst="line">
-                <a:avLst/>
-              </a:prstGeom>
-              <a:ln w="28575">
-                <a:solidFill>
-                  <a:schemeClr val="tx1"/>
-                </a:solidFill>
-              </a:ln>
-            </p:spPr>
-            <p:style>
-              <a:lnRef idx="1">
-                <a:schemeClr val="accent1"/>
-              </a:lnRef>
-              <a:fillRef idx="0">
-                <a:schemeClr val="accent1"/>
-              </a:fillRef>
-              <a:effectRef idx="0">
-                <a:schemeClr val="accent1"/>
-              </a:effectRef>
-              <a:fontRef idx="minor">
-                <a:schemeClr val="tx1"/>
-              </a:fontRef>
-            </p:style>
-          </p:cxnSp>
-          <p:cxnSp>
-            <p:nvCxnSpPr>
-              <p:cNvPr id="10" name="直接连接符 9"/>
-              <p:cNvCxnSpPr/>
-              <p:nvPr/>
-            </p:nvCxnSpPr>
-            <p:spPr>
-              <a:xfrm>
-                <a:off x="368490" y="2090381"/>
-                <a:ext cx="1487606" cy="0"/>
-              </a:xfrm>
-              <a:prstGeom prst="line">
-                <a:avLst/>
-              </a:prstGeom>
-              <a:ln w="28575">
-                <a:solidFill>
-                  <a:schemeClr val="tx1"/>
-                </a:solidFill>
-              </a:ln>
-            </p:spPr>
-            <p:style>
-              <a:lnRef idx="1">
-                <a:schemeClr val="accent1"/>
-              </a:lnRef>
-              <a:fillRef idx="0">
-                <a:schemeClr val="accent1"/>
-              </a:fillRef>
-              <a:effectRef idx="0">
-                <a:schemeClr val="accent1"/>
-              </a:effectRef>
-              <a:fontRef idx="minor">
-                <a:schemeClr val="tx1"/>
-              </a:fontRef>
-            </p:style>
-          </p:cxnSp>
-          <p:cxnSp>
-            <p:nvCxnSpPr>
-              <p:cNvPr id="11" name="直接连接符 10"/>
-              <p:cNvCxnSpPr/>
-              <p:nvPr/>
-            </p:nvCxnSpPr>
-            <p:spPr>
-              <a:xfrm>
-                <a:off x="382137" y="2254154"/>
-                <a:ext cx="1487606" cy="0"/>
-              </a:xfrm>
-              <a:prstGeom prst="line">
-                <a:avLst/>
-              </a:prstGeom>
-              <a:ln w="28575">
-                <a:solidFill>
-                  <a:schemeClr val="tx1"/>
-                </a:solidFill>
-              </a:ln>
-            </p:spPr>
-            <p:style>
-              <a:lnRef idx="1">
-                <a:schemeClr val="accent1"/>
-              </a:lnRef>
-              <a:fillRef idx="0">
-                <a:schemeClr val="accent1"/>
-              </a:fillRef>
-              <a:effectRef idx="0">
-                <a:schemeClr val="accent1"/>
-              </a:effectRef>
-              <a:fontRef idx="minor">
-                <a:schemeClr val="tx1"/>
-              </a:fontRef>
-            </p:style>
-          </p:cxnSp>
-          <p:cxnSp>
-            <p:nvCxnSpPr>
-              <p:cNvPr id="12" name="直接连接符 11"/>
-              <p:cNvCxnSpPr/>
-              <p:nvPr/>
-            </p:nvCxnSpPr>
-            <p:spPr>
-              <a:xfrm>
-                <a:off x="384411" y="3552972"/>
-                <a:ext cx="1487606" cy="0"/>
-              </a:xfrm>
-              <a:prstGeom prst="line">
-                <a:avLst/>
-              </a:prstGeom>
-              <a:ln w="28575">
-                <a:solidFill>
-                  <a:schemeClr val="tx1"/>
-                </a:solidFill>
-              </a:ln>
-            </p:spPr>
-            <p:style>
-              <a:lnRef idx="1">
-                <a:schemeClr val="accent1"/>
-              </a:lnRef>
-              <a:fillRef idx="0">
-                <a:schemeClr val="accent1"/>
-              </a:fillRef>
-              <a:effectRef idx="0">
-                <a:schemeClr val="accent1"/>
-              </a:effectRef>
-              <a:fontRef idx="minor">
-                <a:schemeClr val="tx1"/>
-              </a:fontRef>
-            </p:style>
-          </p:cxnSp>
-          <p:cxnSp>
-            <p:nvCxnSpPr>
-              <p:cNvPr id="13" name="直接连接符 12"/>
-              <p:cNvCxnSpPr/>
-              <p:nvPr/>
-            </p:nvCxnSpPr>
-            <p:spPr>
-              <a:xfrm>
-                <a:off x="384411" y="3225426"/>
-                <a:ext cx="1487606" cy="0"/>
-              </a:xfrm>
-              <a:prstGeom prst="line">
-                <a:avLst/>
-              </a:prstGeom>
-              <a:ln w="28575">
-                <a:solidFill>
-                  <a:schemeClr val="tx1"/>
-                </a:solidFill>
-              </a:ln>
-            </p:spPr>
-            <p:style>
-              <a:lnRef idx="1">
-                <a:schemeClr val="accent1"/>
-              </a:lnRef>
-              <a:fillRef idx="0">
-                <a:schemeClr val="accent1"/>
-              </a:fillRef>
-              <a:effectRef idx="0">
-                <a:schemeClr val="accent1"/>
-              </a:effectRef>
-              <a:fontRef idx="minor">
-                <a:schemeClr val="tx1"/>
-              </a:fontRef>
-            </p:style>
-          </p:cxnSp>
-          <p:cxnSp>
-            <p:nvCxnSpPr>
-              <p:cNvPr id="14" name="直接连接符 13"/>
-              <p:cNvCxnSpPr/>
-              <p:nvPr/>
-            </p:nvCxnSpPr>
-            <p:spPr>
-              <a:xfrm>
-                <a:off x="384411" y="3389199"/>
-                <a:ext cx="1487606" cy="0"/>
-              </a:xfrm>
-              <a:prstGeom prst="line">
-                <a:avLst/>
-              </a:prstGeom>
-              <a:ln w="28575">
-                <a:solidFill>
-                  <a:schemeClr val="tx1"/>
-                </a:solidFill>
-              </a:ln>
-            </p:spPr>
-            <p:style>
-              <a:lnRef idx="1">
-                <a:schemeClr val="accent1"/>
-              </a:lnRef>
-              <a:fillRef idx="0">
-                <a:schemeClr val="accent1"/>
-              </a:fillRef>
-              <a:effectRef idx="0">
-                <a:schemeClr val="accent1"/>
-              </a:effectRef>
-              <a:fontRef idx="minor">
-                <a:schemeClr val="tx1"/>
-              </a:fontRef>
-            </p:style>
-          </p:cxnSp>
-          <p:cxnSp>
-            <p:nvCxnSpPr>
-              <p:cNvPr id="15" name="直接连接符 14"/>
-              <p:cNvCxnSpPr/>
-              <p:nvPr/>
-            </p:nvCxnSpPr>
-            <p:spPr>
-              <a:xfrm>
-                <a:off x="384411" y="3716745"/>
-                <a:ext cx="1487606" cy="0"/>
-              </a:xfrm>
-              <a:prstGeom prst="line">
-                <a:avLst/>
-              </a:prstGeom>
-              <a:ln w="28575">
-                <a:solidFill>
-                  <a:schemeClr val="tx1"/>
-                </a:solidFill>
-              </a:ln>
-            </p:spPr>
-            <p:style>
-              <a:lnRef idx="1">
-                <a:schemeClr val="accent1"/>
-              </a:lnRef>
-              <a:fillRef idx="0">
-                <a:schemeClr val="accent1"/>
-              </a:fillRef>
-              <a:effectRef idx="0">
-                <a:schemeClr val="accent1"/>
-              </a:effectRef>
-              <a:fontRef idx="minor">
-                <a:schemeClr val="tx1"/>
-              </a:fontRef>
-            </p:style>
-          </p:cxnSp>
-          <p:cxnSp>
-            <p:nvCxnSpPr>
-              <p:cNvPr id="16" name="直接连接符 15"/>
-              <p:cNvCxnSpPr/>
-              <p:nvPr/>
-            </p:nvCxnSpPr>
-            <p:spPr>
-              <a:xfrm>
-                <a:off x="384411" y="3880518"/>
-                <a:ext cx="1487606" cy="0"/>
-              </a:xfrm>
-              <a:prstGeom prst="line">
-                <a:avLst/>
-              </a:prstGeom>
-              <a:ln w="28575">
-                <a:solidFill>
-                  <a:schemeClr val="tx1"/>
-                </a:solidFill>
-              </a:ln>
-            </p:spPr>
-            <p:style>
-              <a:lnRef idx="1">
-                <a:schemeClr val="accent1"/>
-              </a:lnRef>
-              <a:fillRef idx="0">
-                <a:schemeClr val="accent1"/>
-              </a:fillRef>
-              <a:effectRef idx="0">
-                <a:schemeClr val="accent1"/>
-              </a:effectRef>
-              <a:fontRef idx="minor">
-                <a:schemeClr val="tx1"/>
-              </a:fontRef>
-            </p:style>
-          </p:cxnSp>
-        </p:grpSp>
-        <p:grpSp>
-          <p:nvGrpSpPr>
-            <p:cNvPr id="22" name="组合 21"/>
-            <p:cNvGrpSpPr/>
-            <p:nvPr/>
-          </p:nvGrpSpPr>
-          <p:grpSpPr>
-            <a:xfrm>
-              <a:off x="1050877" y="2417927"/>
-              <a:ext cx="143302" cy="582652"/>
-              <a:chOff x="1050877" y="2429301"/>
-              <a:chExt cx="143302" cy="582652"/>
-            </a:xfrm>
-          </p:grpSpPr>
-          <p:sp>
-            <p:nvSpPr>
-              <p:cNvPr id="18" name="流程图: 联系 17"/>
-              <p:cNvSpPr/>
-              <p:nvPr/>
-            </p:nvSpPr>
-            <p:spPr>
-              <a:xfrm>
-                <a:off x="1050877" y="2429301"/>
-                <a:ext cx="136478" cy="141033"/>
-              </a:xfrm>
-              <a:prstGeom prst="flowChartConnector">
-                <a:avLst/>
-              </a:prstGeom>
-            </p:spPr>
-            <p:style>
-              <a:lnRef idx="2">
-                <a:schemeClr val="dk1">
-                  <a:shade val="50000"/>
-                </a:schemeClr>
-              </a:lnRef>
-              <a:fillRef idx="1">
-                <a:schemeClr val="dk1"/>
-              </a:fillRef>
-              <a:effectRef idx="0">
-                <a:schemeClr val="dk1"/>
-              </a:effectRef>
-              <a:fontRef idx="minor">
-                <a:schemeClr val="lt1"/>
-              </a:fontRef>
-            </p:style>
-            <p:txBody>
-              <a:bodyPr rtlCol="0" anchor="ctr"/>
-              <a:lstStyle/>
-              <a:p>
-                <a:pPr algn="ctr"/>
-                <a:endParaRPr lang="zh-CN" altLang="en-US"/>
-              </a:p>
-            </p:txBody>
-          </p:sp>
-          <p:sp>
-            <p:nvSpPr>
-              <p:cNvPr id="19" name="流程图: 联系 18"/>
-              <p:cNvSpPr/>
-              <p:nvPr/>
-            </p:nvSpPr>
-            <p:spPr>
-              <a:xfrm>
-                <a:off x="1057701" y="2650110"/>
-                <a:ext cx="136478" cy="141033"/>
-              </a:xfrm>
-              <a:prstGeom prst="flowChartConnector">
-                <a:avLst/>
-              </a:prstGeom>
-            </p:spPr>
-            <p:style>
-              <a:lnRef idx="2">
-                <a:schemeClr val="dk1">
-                  <a:shade val="50000"/>
-                </a:schemeClr>
-              </a:lnRef>
-              <a:fillRef idx="1">
-                <a:schemeClr val="dk1"/>
-              </a:fillRef>
-              <a:effectRef idx="0">
-                <a:schemeClr val="dk1"/>
-              </a:effectRef>
-              <a:fontRef idx="minor">
-                <a:schemeClr val="lt1"/>
-              </a:fontRef>
-            </p:style>
-            <p:txBody>
-              <a:bodyPr rtlCol="0" anchor="ctr"/>
-              <a:lstStyle/>
-              <a:p>
-                <a:pPr algn="ctr"/>
-                <a:endParaRPr lang="zh-CN" altLang="en-US"/>
-              </a:p>
-            </p:txBody>
-          </p:sp>
-          <p:sp>
-            <p:nvSpPr>
-              <p:cNvPr id="20" name="流程图: 联系 19"/>
-              <p:cNvSpPr/>
-              <p:nvPr/>
-            </p:nvSpPr>
-            <p:spPr>
-              <a:xfrm>
-                <a:off x="1057701" y="2870920"/>
-                <a:ext cx="136478" cy="141033"/>
-              </a:xfrm>
-              <a:prstGeom prst="flowChartConnector">
-                <a:avLst/>
-              </a:prstGeom>
-            </p:spPr>
-            <p:style>
-              <a:lnRef idx="2">
-                <a:schemeClr val="dk1">
-                  <a:shade val="50000"/>
-                </a:schemeClr>
-              </a:lnRef>
-              <a:fillRef idx="1">
-                <a:schemeClr val="dk1"/>
-              </a:fillRef>
-              <a:effectRef idx="0">
-                <a:schemeClr val="dk1"/>
-              </a:effectRef>
-              <a:fontRef idx="minor">
-                <a:schemeClr val="lt1"/>
-              </a:fontRef>
-            </p:style>
-            <p:txBody>
-              <a:bodyPr rtlCol="0" anchor="ctr"/>
-              <a:lstStyle/>
-              <a:p>
-                <a:pPr algn="ctr"/>
-                <a:endParaRPr lang="zh-CN" altLang="en-US"/>
-              </a:p>
-            </p:txBody>
-          </p:sp>
-        </p:grpSp>
-      </p:grpSp>
-      <p:grpSp>
-        <p:nvGrpSpPr>
           <p:cNvPr id="78" name="组合 77"/>
           <p:cNvGrpSpPr/>
           <p:nvPr/>
         </p:nvGrpSpPr>
         <p:grpSpPr>
           <a:xfrm>
-            <a:off x="4174836" y="96553"/>
+            <a:off x="5663662" y="155168"/>
             <a:ext cx="4674077" cy="4235302"/>
             <a:chOff x="4189862" y="696919"/>
             <a:chExt cx="4659051" cy="5278090"/>
@@ -8857,7 +8698,7 @@
         </p:nvCxnSpPr>
         <p:spPr>
           <a:xfrm>
-            <a:off x="6311641" y="3646650"/>
+            <a:off x="7800467" y="3705265"/>
             <a:ext cx="3620886" cy="171233"/>
           </a:xfrm>
           <a:prstGeom prst="straightConnector1">
@@ -8884,68 +8725,13 @@
       </p:cxnSp>
       <p:sp>
         <p:nvSpPr>
-          <p:cNvPr id="83" name="流程图: 过程 82"/>
-          <p:cNvSpPr/>
-          <p:nvPr/>
-        </p:nvSpPr>
-        <p:spPr>
-          <a:xfrm>
-            <a:off x="10042180" y="2554243"/>
-            <a:ext cx="1958109" cy="2657736"/>
-          </a:xfrm>
-          <a:prstGeom prst="flowChartProcess">
-            <a:avLst/>
-          </a:prstGeom>
-          <a:solidFill>
-            <a:schemeClr val="bg1"/>
-          </a:solidFill>
-        </p:spPr>
-        <p:style>
-          <a:lnRef idx="2">
-            <a:schemeClr val="accent1">
-              <a:shade val="50000"/>
-            </a:schemeClr>
-          </a:lnRef>
-          <a:fillRef idx="1">
-            <a:schemeClr val="accent1"/>
-          </a:fillRef>
-          <a:effectRef idx="0">
-            <a:schemeClr val="accent1"/>
-          </a:effectRef>
-          <a:fontRef idx="minor">
-            <a:schemeClr val="lt1"/>
-          </a:fontRef>
-        </p:style>
-        <p:txBody>
-          <a:bodyPr rtlCol="0" anchor="ctr"/>
-          <a:lstStyle/>
-          <a:p>
-            <a:pPr algn="ctr"/>
-            <a:r>
-              <a:rPr lang="zh-CN" altLang="en-US" b="1" dirty="0" smtClean="0">
-                <a:solidFill>
-                  <a:schemeClr val="tx1"/>
-                </a:solidFill>
-              </a:rPr>
-              <a:t>最终结果</a:t>
-            </a:r>
-            <a:endParaRPr lang="zh-CN" altLang="en-US" b="1" dirty="0">
-              <a:solidFill>
-                <a:schemeClr val="tx1"/>
-              </a:solidFill>
-            </a:endParaRPr>
-          </a:p>
-        </p:txBody>
-      </p:sp>
-      <p:sp>
-        <p:nvSpPr>
           <p:cNvPr id="84" name="文本框 83"/>
           <p:cNvSpPr txBox="1"/>
           <p:nvPr/>
         </p:nvSpPr>
         <p:spPr>
           <a:xfrm>
-            <a:off x="3199850" y="2399996"/>
+            <a:off x="4688676" y="2458611"/>
             <a:ext cx="424873" cy="923330"/>
           </a:xfrm>
           <a:prstGeom prst="rect">
@@ -8975,7 +8761,7 @@
         </p:nvSpPr>
         <p:spPr>
           <a:xfrm>
-            <a:off x="2770909" y="4981998"/>
+            <a:off x="4259735" y="5040613"/>
             <a:ext cx="6382327" cy="494755"/>
           </a:xfrm>
           <a:prstGeom prst="flowChartProcess">
@@ -9033,7 +8819,7 @@
         </p:nvSpPr>
         <p:spPr>
           <a:xfrm>
-            <a:off x="2770909" y="6038289"/>
+            <a:off x="4259735" y="6096904"/>
             <a:ext cx="6382327" cy="494755"/>
           </a:xfrm>
           <a:prstGeom prst="flowChartProcess">
@@ -9107,7 +8893,7 @@
         </p:nvSpPr>
         <p:spPr>
           <a:xfrm>
-            <a:off x="5658770" y="5537979"/>
+            <a:off x="7147596" y="5596594"/>
             <a:ext cx="1126522" cy="369332"/>
           </a:xfrm>
           <a:prstGeom prst="rect">
@@ -9137,7 +8923,7 @@
         </p:nvCxnSpPr>
         <p:spPr>
           <a:xfrm flipV="1">
-            <a:off x="9218359" y="4529492"/>
+            <a:off x="10707185" y="4588107"/>
             <a:ext cx="714168" cy="674345"/>
           </a:xfrm>
           <a:prstGeom prst="straightConnector1">
@@ -9170,7 +8956,7 @@
         </p:nvCxnSpPr>
         <p:spPr>
           <a:xfrm flipV="1">
-            <a:off x="9218359" y="5306349"/>
+            <a:off x="10707185" y="5364964"/>
             <a:ext cx="1065057" cy="948306"/>
           </a:xfrm>
           <a:prstGeom prst="straightConnector1">
@@ -9203,7 +8989,7 @@
         </p:nvCxnSpPr>
         <p:spPr>
           <a:xfrm>
-            <a:off x="1686604" y="4212255"/>
+            <a:off x="3175430" y="4270870"/>
             <a:ext cx="964699" cy="1017120"/>
           </a:xfrm>
           <a:prstGeom prst="straightConnector1">
@@ -9236,7 +9022,7 @@
         </p:nvCxnSpPr>
         <p:spPr>
           <a:xfrm>
-            <a:off x="1654367" y="5306349"/>
+            <a:off x="3143193" y="5364964"/>
             <a:ext cx="964699" cy="1017120"/>
           </a:xfrm>
           <a:prstGeom prst="straightConnector1">
@@ -9269,7 +9055,7 @@
         </p:nvGrpSpPr>
         <p:grpSpPr>
           <a:xfrm>
-            <a:off x="1732959" y="1436966"/>
+            <a:off x="3221785" y="1495581"/>
             <a:ext cx="2348665" cy="1576143"/>
             <a:chOff x="1732959" y="1436966"/>
             <a:chExt cx="2348665" cy="1576143"/>
@@ -9347,7 +9133,7 @@
         </p:nvCxnSpPr>
         <p:spPr>
           <a:xfrm flipH="1">
-            <a:off x="6508628" y="96553"/>
+            <a:off x="7997454" y="155168"/>
             <a:ext cx="3246" cy="2037192"/>
           </a:xfrm>
           <a:prstGeom prst="line">
@@ -9380,7 +9166,7 @@
         </p:nvSpPr>
         <p:spPr>
           <a:xfrm>
-            <a:off x="4307174" y="1963953"/>
+            <a:off x="5796000" y="2022568"/>
             <a:ext cx="1312510" cy="307777"/>
           </a:xfrm>
           <a:prstGeom prst="rect">
@@ -9402,15 +9188,573 @@
           </a:p>
         </p:txBody>
       </p:sp>
+      <p:grpSp>
+        <p:nvGrpSpPr>
+          <p:cNvPr id="65" name="组合 64"/>
+          <p:cNvGrpSpPr/>
+          <p:nvPr/>
+        </p:nvGrpSpPr>
+        <p:grpSpPr>
+          <a:xfrm>
+            <a:off x="2396139" y="2628748"/>
+            <a:ext cx="708314" cy="2596250"/>
+            <a:chOff x="368490" y="1429840"/>
+            <a:chExt cx="1503527" cy="2596250"/>
+          </a:xfrm>
+        </p:grpSpPr>
+        <p:grpSp>
+          <p:nvGrpSpPr>
+            <p:cNvPr id="67" name="组合 66"/>
+            <p:cNvGrpSpPr/>
+            <p:nvPr/>
+          </p:nvGrpSpPr>
+          <p:grpSpPr>
+            <a:xfrm>
+              <a:off x="368490" y="1429840"/>
+              <a:ext cx="1503527" cy="2596250"/>
+              <a:chOff x="368490" y="1429840"/>
+              <a:chExt cx="1503527" cy="2596250"/>
+            </a:xfrm>
+          </p:grpSpPr>
+          <p:sp>
+            <p:nvSpPr>
+              <p:cNvPr id="73" name="矩形 72"/>
+              <p:cNvSpPr/>
+              <p:nvPr/>
+            </p:nvSpPr>
+            <p:spPr>
+              <a:xfrm>
+                <a:off x="368490" y="1429840"/>
+                <a:ext cx="1501253" cy="2596250"/>
+              </a:xfrm>
+              <a:prstGeom prst="rect">
+                <a:avLst/>
+              </a:prstGeom>
+              <a:ln w="28575">
+                <a:solidFill>
+                  <a:schemeClr val="tx1"/>
+                </a:solidFill>
+              </a:ln>
+            </p:spPr>
+            <p:style>
+              <a:lnRef idx="2">
+                <a:schemeClr val="accent3"/>
+              </a:lnRef>
+              <a:fillRef idx="1">
+                <a:schemeClr val="lt1"/>
+              </a:fillRef>
+              <a:effectRef idx="0">
+                <a:schemeClr val="accent3"/>
+              </a:effectRef>
+              <a:fontRef idx="minor">
+                <a:schemeClr val="dk1"/>
+              </a:fontRef>
+            </p:style>
+            <p:txBody>
+              <a:bodyPr rtlCol="0" anchor="ctr"/>
+              <a:lstStyle/>
+              <a:p>
+                <a:pPr algn="ctr"/>
+                <a:endParaRPr lang="zh-CN" altLang="en-US"/>
+              </a:p>
+            </p:txBody>
+          </p:sp>
+          <p:cxnSp>
+            <p:nvCxnSpPr>
+              <p:cNvPr id="74" name="直接连接符 73"/>
+              <p:cNvCxnSpPr/>
+              <p:nvPr/>
+            </p:nvCxnSpPr>
+            <p:spPr>
+              <a:xfrm>
+                <a:off x="382137" y="1926608"/>
+                <a:ext cx="1487606" cy="0"/>
+              </a:xfrm>
+              <a:prstGeom prst="line">
+                <a:avLst/>
+              </a:prstGeom>
+              <a:ln w="28575">
+                <a:solidFill>
+                  <a:schemeClr val="tx1"/>
+                </a:solidFill>
+              </a:ln>
+            </p:spPr>
+            <p:style>
+              <a:lnRef idx="1">
+                <a:schemeClr val="accent1"/>
+              </a:lnRef>
+              <a:fillRef idx="0">
+                <a:schemeClr val="accent1"/>
+              </a:fillRef>
+              <a:effectRef idx="0">
+                <a:schemeClr val="accent1"/>
+              </a:effectRef>
+              <a:fontRef idx="minor">
+                <a:schemeClr val="tx1"/>
+              </a:fontRef>
+            </p:style>
+          </p:cxnSp>
+          <p:cxnSp>
+            <p:nvCxnSpPr>
+              <p:cNvPr id="76" name="直接连接符 75"/>
+              <p:cNvCxnSpPr/>
+              <p:nvPr/>
+            </p:nvCxnSpPr>
+            <p:spPr>
+              <a:xfrm>
+                <a:off x="368490" y="1599062"/>
+                <a:ext cx="1487606" cy="0"/>
+              </a:xfrm>
+              <a:prstGeom prst="line">
+                <a:avLst/>
+              </a:prstGeom>
+              <a:ln w="28575">
+                <a:solidFill>
+                  <a:schemeClr val="tx1"/>
+                </a:solidFill>
+              </a:ln>
+            </p:spPr>
+            <p:style>
+              <a:lnRef idx="1">
+                <a:schemeClr val="accent1"/>
+              </a:lnRef>
+              <a:fillRef idx="0">
+                <a:schemeClr val="accent1"/>
+              </a:fillRef>
+              <a:effectRef idx="0">
+                <a:schemeClr val="accent1"/>
+              </a:effectRef>
+              <a:fontRef idx="minor">
+                <a:schemeClr val="tx1"/>
+              </a:fontRef>
+            </p:style>
+          </p:cxnSp>
+          <p:cxnSp>
+            <p:nvCxnSpPr>
+              <p:cNvPr id="77" name="直接连接符 76"/>
+              <p:cNvCxnSpPr/>
+              <p:nvPr/>
+            </p:nvCxnSpPr>
+            <p:spPr>
+              <a:xfrm>
+                <a:off x="368490" y="1762835"/>
+                <a:ext cx="1487606" cy="0"/>
+              </a:xfrm>
+              <a:prstGeom prst="line">
+                <a:avLst/>
+              </a:prstGeom>
+              <a:ln w="28575">
+                <a:solidFill>
+                  <a:schemeClr val="tx1"/>
+                </a:solidFill>
+              </a:ln>
+            </p:spPr>
+            <p:style>
+              <a:lnRef idx="1">
+                <a:schemeClr val="accent1"/>
+              </a:lnRef>
+              <a:fillRef idx="0">
+                <a:schemeClr val="accent1"/>
+              </a:fillRef>
+              <a:effectRef idx="0">
+                <a:schemeClr val="accent1"/>
+              </a:effectRef>
+              <a:fontRef idx="minor">
+                <a:schemeClr val="tx1"/>
+              </a:fontRef>
+            </p:style>
+          </p:cxnSp>
+          <p:cxnSp>
+            <p:nvCxnSpPr>
+              <p:cNvPr id="79" name="直接连接符 78"/>
+              <p:cNvCxnSpPr/>
+              <p:nvPr/>
+            </p:nvCxnSpPr>
+            <p:spPr>
+              <a:xfrm>
+                <a:off x="368490" y="2090381"/>
+                <a:ext cx="1487606" cy="0"/>
+              </a:xfrm>
+              <a:prstGeom prst="line">
+                <a:avLst/>
+              </a:prstGeom>
+              <a:ln w="28575">
+                <a:solidFill>
+                  <a:schemeClr val="tx1"/>
+                </a:solidFill>
+              </a:ln>
+            </p:spPr>
+            <p:style>
+              <a:lnRef idx="1">
+                <a:schemeClr val="accent1"/>
+              </a:lnRef>
+              <a:fillRef idx="0">
+                <a:schemeClr val="accent1"/>
+              </a:fillRef>
+              <a:effectRef idx="0">
+                <a:schemeClr val="accent1"/>
+              </a:effectRef>
+              <a:fontRef idx="minor">
+                <a:schemeClr val="tx1"/>
+              </a:fontRef>
+            </p:style>
+          </p:cxnSp>
+          <p:cxnSp>
+            <p:nvCxnSpPr>
+              <p:cNvPr id="80" name="直接连接符 79"/>
+              <p:cNvCxnSpPr/>
+              <p:nvPr/>
+            </p:nvCxnSpPr>
+            <p:spPr>
+              <a:xfrm>
+                <a:off x="382137" y="2254154"/>
+                <a:ext cx="1487606" cy="0"/>
+              </a:xfrm>
+              <a:prstGeom prst="line">
+                <a:avLst/>
+              </a:prstGeom>
+              <a:ln w="28575">
+                <a:solidFill>
+                  <a:schemeClr val="tx1"/>
+                </a:solidFill>
+              </a:ln>
+            </p:spPr>
+            <p:style>
+              <a:lnRef idx="1">
+                <a:schemeClr val="accent1"/>
+              </a:lnRef>
+              <a:fillRef idx="0">
+                <a:schemeClr val="accent1"/>
+              </a:fillRef>
+              <a:effectRef idx="0">
+                <a:schemeClr val="accent1"/>
+              </a:effectRef>
+              <a:fontRef idx="minor">
+                <a:schemeClr val="tx1"/>
+              </a:fontRef>
+            </p:style>
+          </p:cxnSp>
+          <p:cxnSp>
+            <p:nvCxnSpPr>
+              <p:cNvPr id="81" name="直接连接符 80"/>
+              <p:cNvCxnSpPr/>
+              <p:nvPr/>
+            </p:nvCxnSpPr>
+            <p:spPr>
+              <a:xfrm>
+                <a:off x="384411" y="3552972"/>
+                <a:ext cx="1487606" cy="0"/>
+              </a:xfrm>
+              <a:prstGeom prst="line">
+                <a:avLst/>
+              </a:prstGeom>
+              <a:ln w="28575">
+                <a:solidFill>
+                  <a:schemeClr val="tx1"/>
+                </a:solidFill>
+              </a:ln>
+            </p:spPr>
+            <p:style>
+              <a:lnRef idx="1">
+                <a:schemeClr val="accent1"/>
+              </a:lnRef>
+              <a:fillRef idx="0">
+                <a:schemeClr val="accent1"/>
+              </a:fillRef>
+              <a:effectRef idx="0">
+                <a:schemeClr val="accent1"/>
+              </a:effectRef>
+              <a:fontRef idx="minor">
+                <a:schemeClr val="tx1"/>
+              </a:fontRef>
+            </p:style>
+          </p:cxnSp>
+          <p:cxnSp>
+            <p:nvCxnSpPr>
+              <p:cNvPr id="90" name="直接连接符 89"/>
+              <p:cNvCxnSpPr/>
+              <p:nvPr/>
+            </p:nvCxnSpPr>
+            <p:spPr>
+              <a:xfrm>
+                <a:off x="384411" y="3225426"/>
+                <a:ext cx="1487606" cy="0"/>
+              </a:xfrm>
+              <a:prstGeom prst="line">
+                <a:avLst/>
+              </a:prstGeom>
+              <a:ln w="28575">
+                <a:solidFill>
+                  <a:schemeClr val="tx1"/>
+                </a:solidFill>
+              </a:ln>
+            </p:spPr>
+            <p:style>
+              <a:lnRef idx="1">
+                <a:schemeClr val="accent1"/>
+              </a:lnRef>
+              <a:fillRef idx="0">
+                <a:schemeClr val="accent1"/>
+              </a:fillRef>
+              <a:effectRef idx="0">
+                <a:schemeClr val="accent1"/>
+              </a:effectRef>
+              <a:fontRef idx="minor">
+                <a:schemeClr val="tx1"/>
+              </a:fontRef>
+            </p:style>
+          </p:cxnSp>
+          <p:cxnSp>
+            <p:nvCxnSpPr>
+              <p:cNvPr id="92" name="直接连接符 91"/>
+              <p:cNvCxnSpPr/>
+              <p:nvPr/>
+            </p:nvCxnSpPr>
+            <p:spPr>
+              <a:xfrm>
+                <a:off x="384411" y="3389199"/>
+                <a:ext cx="1487606" cy="0"/>
+              </a:xfrm>
+              <a:prstGeom prst="line">
+                <a:avLst/>
+              </a:prstGeom>
+              <a:ln w="28575">
+                <a:solidFill>
+                  <a:schemeClr val="tx1"/>
+                </a:solidFill>
+              </a:ln>
+            </p:spPr>
+            <p:style>
+              <a:lnRef idx="1">
+                <a:schemeClr val="accent1"/>
+              </a:lnRef>
+              <a:fillRef idx="0">
+                <a:schemeClr val="accent1"/>
+              </a:fillRef>
+              <a:effectRef idx="0">
+                <a:schemeClr val="accent1"/>
+              </a:effectRef>
+              <a:fontRef idx="minor">
+                <a:schemeClr val="tx1"/>
+              </a:fontRef>
+            </p:style>
+          </p:cxnSp>
+          <p:cxnSp>
+            <p:nvCxnSpPr>
+              <p:cNvPr id="93" name="直接连接符 92"/>
+              <p:cNvCxnSpPr/>
+              <p:nvPr/>
+            </p:nvCxnSpPr>
+            <p:spPr>
+              <a:xfrm>
+                <a:off x="384411" y="3716745"/>
+                <a:ext cx="1487606" cy="0"/>
+              </a:xfrm>
+              <a:prstGeom prst="line">
+                <a:avLst/>
+              </a:prstGeom>
+              <a:ln w="28575">
+                <a:solidFill>
+                  <a:schemeClr val="tx1"/>
+                </a:solidFill>
+              </a:ln>
+            </p:spPr>
+            <p:style>
+              <a:lnRef idx="1">
+                <a:schemeClr val="accent1"/>
+              </a:lnRef>
+              <a:fillRef idx="0">
+                <a:schemeClr val="accent1"/>
+              </a:fillRef>
+              <a:effectRef idx="0">
+                <a:schemeClr val="accent1"/>
+              </a:effectRef>
+              <a:fontRef idx="minor">
+                <a:schemeClr val="tx1"/>
+              </a:fontRef>
+            </p:style>
+          </p:cxnSp>
+          <p:cxnSp>
+            <p:nvCxnSpPr>
+              <p:cNvPr id="94" name="直接连接符 93"/>
+              <p:cNvCxnSpPr/>
+              <p:nvPr/>
+            </p:nvCxnSpPr>
+            <p:spPr>
+              <a:xfrm>
+                <a:off x="384411" y="3880518"/>
+                <a:ext cx="1487606" cy="0"/>
+              </a:xfrm>
+              <a:prstGeom prst="line">
+                <a:avLst/>
+              </a:prstGeom>
+              <a:ln w="28575">
+                <a:solidFill>
+                  <a:schemeClr val="tx1"/>
+                </a:solidFill>
+              </a:ln>
+            </p:spPr>
+            <p:style>
+              <a:lnRef idx="1">
+                <a:schemeClr val="accent1"/>
+              </a:lnRef>
+              <a:fillRef idx="0">
+                <a:schemeClr val="accent1"/>
+              </a:fillRef>
+              <a:effectRef idx="0">
+                <a:schemeClr val="accent1"/>
+              </a:effectRef>
+              <a:fontRef idx="minor">
+                <a:schemeClr val="tx1"/>
+              </a:fontRef>
+            </p:style>
+          </p:cxnSp>
+        </p:grpSp>
+        <p:grpSp>
+          <p:nvGrpSpPr>
+            <p:cNvPr id="68" name="组合 67"/>
+            <p:cNvGrpSpPr/>
+            <p:nvPr/>
+          </p:nvGrpSpPr>
+          <p:grpSpPr>
+            <a:xfrm>
+              <a:off x="1050877" y="2417927"/>
+              <a:ext cx="143302" cy="582652"/>
+              <a:chOff x="1050877" y="2429301"/>
+              <a:chExt cx="143302" cy="582652"/>
+            </a:xfrm>
+          </p:grpSpPr>
+          <p:sp>
+            <p:nvSpPr>
+              <p:cNvPr id="69" name="流程图: 联系 68"/>
+              <p:cNvSpPr/>
+              <p:nvPr/>
+            </p:nvSpPr>
+            <p:spPr>
+              <a:xfrm>
+                <a:off x="1050877" y="2429301"/>
+                <a:ext cx="136478" cy="141033"/>
+              </a:xfrm>
+              <a:prstGeom prst="flowChartConnector">
+                <a:avLst/>
+              </a:prstGeom>
+            </p:spPr>
+            <p:style>
+              <a:lnRef idx="2">
+                <a:schemeClr val="dk1">
+                  <a:shade val="50000"/>
+                </a:schemeClr>
+              </a:lnRef>
+              <a:fillRef idx="1">
+                <a:schemeClr val="dk1"/>
+              </a:fillRef>
+              <a:effectRef idx="0">
+                <a:schemeClr val="dk1"/>
+              </a:effectRef>
+              <a:fontRef idx="minor">
+                <a:schemeClr val="lt1"/>
+              </a:fontRef>
+            </p:style>
+            <p:txBody>
+              <a:bodyPr rtlCol="0" anchor="ctr"/>
+              <a:lstStyle/>
+              <a:p>
+                <a:pPr algn="ctr"/>
+                <a:endParaRPr lang="zh-CN" altLang="en-US"/>
+              </a:p>
+            </p:txBody>
+          </p:sp>
+          <p:sp>
+            <p:nvSpPr>
+              <p:cNvPr id="70" name="流程图: 联系 69"/>
+              <p:cNvSpPr/>
+              <p:nvPr/>
+            </p:nvSpPr>
+            <p:spPr>
+              <a:xfrm>
+                <a:off x="1057701" y="2650110"/>
+                <a:ext cx="136478" cy="141033"/>
+              </a:xfrm>
+              <a:prstGeom prst="flowChartConnector">
+                <a:avLst/>
+              </a:prstGeom>
+            </p:spPr>
+            <p:style>
+              <a:lnRef idx="2">
+                <a:schemeClr val="dk1">
+                  <a:shade val="50000"/>
+                </a:schemeClr>
+              </a:lnRef>
+              <a:fillRef idx="1">
+                <a:schemeClr val="dk1"/>
+              </a:fillRef>
+              <a:effectRef idx="0">
+                <a:schemeClr val="dk1"/>
+              </a:effectRef>
+              <a:fontRef idx="minor">
+                <a:schemeClr val="lt1"/>
+              </a:fontRef>
+            </p:style>
+            <p:txBody>
+              <a:bodyPr rtlCol="0" anchor="ctr"/>
+              <a:lstStyle/>
+              <a:p>
+                <a:pPr algn="ctr"/>
+                <a:endParaRPr lang="zh-CN" altLang="en-US"/>
+              </a:p>
+            </p:txBody>
+          </p:sp>
+          <p:sp>
+            <p:nvSpPr>
+              <p:cNvPr id="71" name="流程图: 联系 70"/>
+              <p:cNvSpPr/>
+              <p:nvPr/>
+            </p:nvSpPr>
+            <p:spPr>
+              <a:xfrm>
+                <a:off x="1057701" y="2870920"/>
+                <a:ext cx="136478" cy="141033"/>
+              </a:xfrm>
+              <a:prstGeom prst="flowChartConnector">
+                <a:avLst/>
+              </a:prstGeom>
+            </p:spPr>
+            <p:style>
+              <a:lnRef idx="2">
+                <a:schemeClr val="dk1">
+                  <a:shade val="50000"/>
+                </a:schemeClr>
+              </a:lnRef>
+              <a:fillRef idx="1">
+                <a:schemeClr val="dk1"/>
+              </a:fillRef>
+              <a:effectRef idx="0">
+                <a:schemeClr val="dk1"/>
+              </a:effectRef>
+              <a:fontRef idx="minor">
+                <a:schemeClr val="lt1"/>
+              </a:fontRef>
+            </p:style>
+            <p:txBody>
+              <a:bodyPr rtlCol="0" anchor="ctr"/>
+              <a:lstStyle/>
+              <a:p>
+                <a:pPr algn="ctr"/>
+                <a:endParaRPr lang="zh-CN" altLang="en-US"/>
+              </a:p>
+            </p:txBody>
+          </p:sp>
+        </p:grpSp>
+      </p:grpSp>
       <p:sp>
         <p:nvSpPr>
-          <p:cNvPr id="63" name="文本框 62"/>
+          <p:cNvPr id="95" name="文本框 94"/>
           <p:cNvSpPr txBox="1"/>
           <p:nvPr/>
         </p:nvSpPr>
         <p:spPr>
           <a:xfrm>
-            <a:off x="316523" y="2133600"/>
+            <a:off x="2143194" y="2169595"/>
             <a:ext cx="1206704" cy="369332"/>
           </a:xfrm>
           <a:prstGeom prst="rect">
@@ -9432,6 +9776,460 @@
           </a:p>
         </p:txBody>
       </p:sp>
+      <p:sp>
+        <p:nvSpPr>
+          <p:cNvPr id="97" name="流程图: 过程 96"/>
+          <p:cNvSpPr/>
+          <p:nvPr/>
+        </p:nvSpPr>
+        <p:spPr>
+          <a:xfrm>
+            <a:off x="11531007" y="2612858"/>
+            <a:ext cx="606500" cy="2657736"/>
+          </a:xfrm>
+          <a:prstGeom prst="flowChartProcess">
+            <a:avLst/>
+          </a:prstGeom>
+          <a:solidFill>
+            <a:schemeClr val="bg1"/>
+          </a:solidFill>
+        </p:spPr>
+        <p:style>
+          <a:lnRef idx="2">
+            <a:schemeClr val="accent1">
+              <a:shade val="50000"/>
+            </a:schemeClr>
+          </a:lnRef>
+          <a:fillRef idx="1">
+            <a:schemeClr val="accent1"/>
+          </a:fillRef>
+          <a:effectRef idx="0">
+            <a:schemeClr val="accent1"/>
+          </a:effectRef>
+          <a:fontRef idx="minor">
+            <a:schemeClr val="lt1"/>
+          </a:fontRef>
+        </p:style>
+        <p:txBody>
+          <a:bodyPr rtlCol="0" anchor="ctr"/>
+          <a:lstStyle/>
+          <a:p>
+            <a:pPr algn="ctr"/>
+            <a:r>
+              <a:rPr lang="zh-CN" altLang="en-US" b="1" dirty="0" smtClean="0">
+                <a:solidFill>
+                  <a:schemeClr val="tx1"/>
+                </a:solidFill>
+              </a:rPr>
+              <a:t>最</a:t>
+            </a:r>
+            <a:endParaRPr lang="en-US" altLang="zh-CN" b="1" dirty="0" smtClean="0">
+              <a:solidFill>
+                <a:schemeClr val="tx1"/>
+              </a:solidFill>
+            </a:endParaRPr>
+          </a:p>
+          <a:p>
+            <a:pPr algn="ctr"/>
+            <a:r>
+              <a:rPr lang="zh-CN" altLang="en-US" b="1" dirty="0" smtClean="0">
+                <a:solidFill>
+                  <a:schemeClr val="tx1"/>
+                </a:solidFill>
+              </a:rPr>
+              <a:t>终</a:t>
+            </a:r>
+            <a:endParaRPr lang="en-US" altLang="zh-CN" b="1" dirty="0" smtClean="0">
+              <a:solidFill>
+                <a:schemeClr val="tx1"/>
+              </a:solidFill>
+            </a:endParaRPr>
+          </a:p>
+          <a:p>
+            <a:pPr algn="ctr"/>
+            <a:r>
+              <a:rPr lang="zh-CN" altLang="en-US" b="1" dirty="0" smtClean="0">
+                <a:solidFill>
+                  <a:schemeClr val="tx1"/>
+                </a:solidFill>
+              </a:rPr>
+              <a:t>结</a:t>
+            </a:r>
+            <a:endParaRPr lang="en-US" altLang="zh-CN" b="1" dirty="0" smtClean="0">
+              <a:solidFill>
+                <a:schemeClr val="tx1"/>
+              </a:solidFill>
+            </a:endParaRPr>
+          </a:p>
+          <a:p>
+            <a:pPr algn="ctr"/>
+            <a:r>
+              <a:rPr lang="zh-CN" altLang="en-US" b="1" dirty="0" smtClean="0">
+                <a:solidFill>
+                  <a:schemeClr val="tx1"/>
+                </a:solidFill>
+              </a:rPr>
+              <a:t>果</a:t>
+            </a:r>
+            <a:endParaRPr lang="zh-CN" altLang="en-US" b="1" dirty="0">
+              <a:solidFill>
+                <a:schemeClr val="tx1"/>
+              </a:solidFill>
+            </a:endParaRPr>
+          </a:p>
+        </p:txBody>
+      </p:sp>
+      <p:sp>
+        <p:nvSpPr>
+          <p:cNvPr id="99" name="文本框 98"/>
+          <p:cNvSpPr txBox="1"/>
+          <p:nvPr/>
+        </p:nvSpPr>
+        <p:spPr>
+          <a:xfrm>
+            <a:off x="178821" y="96908"/>
+            <a:ext cx="3314531" cy="923330"/>
+          </a:xfrm>
+          <a:prstGeom prst="rect">
+            <a:avLst/>
+          </a:prstGeom>
+          <a:noFill/>
+        </p:spPr>
+        <p:txBody>
+          <a:bodyPr wrap="square" rtlCol="0">
+            <a:spAutoFit/>
+          </a:bodyPr>
+          <a:lstStyle/>
+          <a:p>
+            <a:r>
+              <a:rPr lang="zh-CN" altLang="en-US" dirty="0" smtClean="0"/>
+              <a:t>对比</a:t>
+            </a:r>
+            <a:r>
+              <a:rPr lang="en-US" altLang="zh-CN" dirty="0" smtClean="0"/>
+              <a:t>Spark</a:t>
+            </a:r>
+            <a:r>
+              <a:rPr lang="zh-CN" altLang="en-US" dirty="0" smtClean="0"/>
+              <a:t>社区</a:t>
+            </a:r>
+            <a:r>
+              <a:rPr lang="en-US" altLang="zh-CN" dirty="0" smtClean="0"/>
+              <a:t>LSH</a:t>
+            </a:r>
+            <a:r>
+              <a:rPr lang="zh-CN" altLang="en-US" dirty="0" smtClean="0"/>
+              <a:t>，速率提升</a:t>
+            </a:r>
+            <a:r>
+              <a:rPr lang="en-US" altLang="zh-CN" dirty="0" smtClean="0"/>
+              <a:t>12.4</a:t>
+            </a:r>
+            <a:r>
+              <a:rPr lang="zh-CN" altLang="en-US" dirty="0" smtClean="0"/>
+              <a:t>倍。优化思路主要为算法角度，工程角度以及两者结合。</a:t>
+            </a:r>
+            <a:endParaRPr lang="zh-CN" altLang="en-US" dirty="0"/>
+          </a:p>
+        </p:txBody>
+      </p:sp>
+      <p:grpSp>
+        <p:nvGrpSpPr>
+          <p:cNvPr id="2" name="组合 1"/>
+          <p:cNvGrpSpPr/>
+          <p:nvPr/>
+        </p:nvGrpSpPr>
+        <p:grpSpPr>
+          <a:xfrm>
+            <a:off x="730320" y="1051787"/>
+            <a:ext cx="2537213" cy="1017560"/>
+            <a:chOff x="730320" y="1051787"/>
+            <a:chExt cx="2537213" cy="1017560"/>
+          </a:xfrm>
+        </p:grpSpPr>
+        <p:sp>
+          <p:nvSpPr>
+            <p:cNvPr id="100" name="文本框 99"/>
+            <p:cNvSpPr txBox="1"/>
+            <p:nvPr/>
+          </p:nvSpPr>
+          <p:spPr>
+            <a:xfrm>
+              <a:off x="2367523" y="1556358"/>
+              <a:ext cx="900010" cy="307777"/>
+            </a:xfrm>
+            <a:prstGeom prst="rect">
+              <a:avLst/>
+            </a:prstGeom>
+            <a:noFill/>
+          </p:spPr>
+          <p:txBody>
+            <a:bodyPr wrap="square" rtlCol="0">
+              <a:spAutoFit/>
+            </a:bodyPr>
+            <a:lstStyle/>
+            <a:p>
+              <a:r>
+                <a:rPr lang="en-US" altLang="zh-CN" sz="1400" b="1" dirty="0" smtClean="0"/>
+                <a:t>20%</a:t>
+              </a:r>
+              <a:endParaRPr lang="zh-CN" altLang="en-US" sz="1400" b="1" dirty="0"/>
+            </a:p>
+          </p:txBody>
+        </p:sp>
+        <p:grpSp>
+          <p:nvGrpSpPr>
+            <p:cNvPr id="101" name="组合 100"/>
+            <p:cNvGrpSpPr/>
+            <p:nvPr/>
+          </p:nvGrpSpPr>
+          <p:grpSpPr>
+            <a:xfrm>
+              <a:off x="730320" y="1051787"/>
+              <a:ext cx="2133046" cy="1017560"/>
+              <a:chOff x="363415" y="1016930"/>
+              <a:chExt cx="2133046" cy="1017560"/>
+            </a:xfrm>
+          </p:grpSpPr>
+          <p:grpSp>
+            <p:nvGrpSpPr>
+              <p:cNvPr id="105" name="组合 104"/>
+              <p:cNvGrpSpPr/>
+              <p:nvPr/>
+            </p:nvGrpSpPr>
+            <p:grpSpPr>
+              <a:xfrm>
+                <a:off x="363415" y="1322096"/>
+                <a:ext cx="2129730" cy="712394"/>
+                <a:chOff x="175847" y="1251758"/>
+                <a:chExt cx="2129730" cy="712394"/>
+              </a:xfrm>
+            </p:grpSpPr>
+            <p:sp>
+              <p:nvSpPr>
+                <p:cNvPr id="110" name="椭圆 109"/>
+                <p:cNvSpPr/>
+                <p:nvPr/>
+              </p:nvSpPr>
+              <p:spPr>
+                <a:xfrm>
+                  <a:off x="175847" y="1254369"/>
+                  <a:ext cx="1641231" cy="709783"/>
+                </a:xfrm>
+                <a:prstGeom prst="ellipse">
+                  <a:avLst/>
+                </a:prstGeom>
+                <a:solidFill>
+                  <a:schemeClr val="bg1"/>
+                </a:solidFill>
+                <a:ln>
+                  <a:solidFill>
+                    <a:schemeClr val="tx1"/>
+                  </a:solidFill>
+                </a:ln>
+              </p:spPr>
+              <p:style>
+                <a:lnRef idx="2">
+                  <a:schemeClr val="accent1">
+                    <a:shade val="50000"/>
+                  </a:schemeClr>
+                </a:lnRef>
+                <a:fillRef idx="1">
+                  <a:schemeClr val="accent1"/>
+                </a:fillRef>
+                <a:effectRef idx="0">
+                  <a:schemeClr val="accent1"/>
+                </a:effectRef>
+                <a:fontRef idx="minor">
+                  <a:schemeClr val="lt1"/>
+                </a:fontRef>
+              </p:style>
+              <p:txBody>
+                <a:bodyPr rtlCol="0" anchor="ctr"/>
+                <a:lstStyle/>
+                <a:p>
+                  <a:pPr algn="ctr"/>
+                  <a:endParaRPr lang="zh-CN" altLang="en-US" dirty="0">
+                    <a:solidFill>
+                      <a:schemeClr val="tx1"/>
+                    </a:solidFill>
+                  </a:endParaRPr>
+                </a:p>
+              </p:txBody>
+            </p:sp>
+            <p:sp>
+              <p:nvSpPr>
+                <p:cNvPr id="111" name="椭圆 110"/>
+                <p:cNvSpPr/>
+                <p:nvPr/>
+              </p:nvSpPr>
+              <p:spPr>
+                <a:xfrm>
+                  <a:off x="664346" y="1251758"/>
+                  <a:ext cx="1641231" cy="709783"/>
+                </a:xfrm>
+                <a:prstGeom prst="ellipse">
+                  <a:avLst/>
+                </a:prstGeom>
+                <a:noFill/>
+                <a:ln>
+                  <a:solidFill>
+                    <a:schemeClr val="tx1"/>
+                  </a:solidFill>
+                </a:ln>
+              </p:spPr>
+              <p:style>
+                <a:lnRef idx="2">
+                  <a:schemeClr val="accent2">
+                    <a:shade val="50000"/>
+                  </a:schemeClr>
+                </a:lnRef>
+                <a:fillRef idx="1">
+                  <a:schemeClr val="accent2"/>
+                </a:fillRef>
+                <a:effectRef idx="0">
+                  <a:schemeClr val="accent2"/>
+                </a:effectRef>
+                <a:fontRef idx="minor">
+                  <a:schemeClr val="lt1"/>
+                </a:fontRef>
+              </p:style>
+              <p:txBody>
+                <a:bodyPr rtlCol="0" anchor="ctr"/>
+                <a:lstStyle/>
+                <a:p>
+                  <a:pPr algn="ctr"/>
+                  <a:endParaRPr lang="zh-CN" altLang="en-US" dirty="0">
+                    <a:solidFill>
+                      <a:schemeClr val="tx1"/>
+                    </a:solidFill>
+                  </a:endParaRPr>
+                </a:p>
+              </p:txBody>
+            </p:sp>
+          </p:grpSp>
+          <p:sp>
+            <p:nvSpPr>
+              <p:cNvPr id="106" name="文本框 105"/>
+              <p:cNvSpPr txBox="1"/>
+              <p:nvPr/>
+            </p:nvSpPr>
+            <p:spPr>
+              <a:xfrm>
+                <a:off x="564954" y="1016930"/>
+                <a:ext cx="900010" cy="307777"/>
+              </a:xfrm>
+              <a:prstGeom prst="rect">
+                <a:avLst/>
+              </a:prstGeom>
+              <a:noFill/>
+            </p:spPr>
+            <p:txBody>
+              <a:bodyPr wrap="square" rtlCol="0">
+                <a:spAutoFit/>
+              </a:bodyPr>
+              <a:lstStyle/>
+              <a:p>
+                <a:r>
+                  <a:rPr lang="zh-CN" altLang="en-US" sz="1400" b="1" dirty="0" smtClean="0"/>
+                  <a:t>算法</a:t>
+                </a:r>
+                <a:endParaRPr lang="zh-CN" altLang="en-US" sz="1400" b="1" dirty="0"/>
+              </a:p>
+            </p:txBody>
+          </p:sp>
+          <p:sp>
+            <p:nvSpPr>
+              <p:cNvPr id="107" name="文本框 106"/>
+              <p:cNvSpPr txBox="1"/>
+              <p:nvPr/>
+            </p:nvSpPr>
+            <p:spPr>
+              <a:xfrm>
+                <a:off x="1596451" y="1028840"/>
+                <a:ext cx="900010" cy="307777"/>
+              </a:xfrm>
+              <a:prstGeom prst="rect">
+                <a:avLst/>
+              </a:prstGeom>
+              <a:noFill/>
+            </p:spPr>
+            <p:txBody>
+              <a:bodyPr wrap="square" rtlCol="0">
+                <a:spAutoFit/>
+              </a:bodyPr>
+              <a:lstStyle/>
+              <a:p>
+                <a:r>
+                  <a:rPr lang="zh-CN" altLang="en-US" sz="1400" b="1" dirty="0" smtClean="0"/>
+                  <a:t>工程</a:t>
+                </a:r>
+                <a:endParaRPr lang="zh-CN" altLang="en-US" sz="1400" b="1" dirty="0"/>
+              </a:p>
+            </p:txBody>
+          </p:sp>
+          <p:sp>
+            <p:nvSpPr>
+              <p:cNvPr id="108" name="文本框 107"/>
+              <p:cNvSpPr txBox="1"/>
+              <p:nvPr/>
+            </p:nvSpPr>
+            <p:spPr>
+              <a:xfrm>
+                <a:off x="365223" y="1523098"/>
+                <a:ext cx="900010" cy="307777"/>
+              </a:xfrm>
+              <a:prstGeom prst="rect">
+                <a:avLst/>
+              </a:prstGeom>
+              <a:noFill/>
+            </p:spPr>
+            <p:txBody>
+              <a:bodyPr wrap="square" rtlCol="0">
+                <a:spAutoFit/>
+              </a:bodyPr>
+              <a:lstStyle/>
+              <a:p>
+                <a:r>
+                  <a:rPr lang="en-US" altLang="zh-CN" sz="1400" b="1" dirty="0" smtClean="0"/>
+                  <a:t>30%</a:t>
+                </a:r>
+                <a:endParaRPr lang="zh-CN" altLang="en-US" sz="1400" b="1" dirty="0"/>
+              </a:p>
+            </p:txBody>
+          </p:sp>
+          <p:sp>
+            <p:nvSpPr>
+              <p:cNvPr id="109" name="文本框 108"/>
+              <p:cNvSpPr txBox="1"/>
+              <p:nvPr/>
+            </p:nvSpPr>
+            <p:spPr>
+              <a:xfrm>
+                <a:off x="1206951" y="1520362"/>
+                <a:ext cx="900010" cy="307777"/>
+              </a:xfrm>
+              <a:prstGeom prst="rect">
+                <a:avLst/>
+              </a:prstGeom>
+              <a:noFill/>
+            </p:spPr>
+            <p:txBody>
+              <a:bodyPr wrap="square" rtlCol="0">
+                <a:spAutoFit/>
+              </a:bodyPr>
+              <a:lstStyle/>
+              <a:p>
+                <a:r>
+                  <a:rPr lang="en-US" altLang="zh-CN" sz="1400" b="1" dirty="0" smtClean="0"/>
+                  <a:t>50%</a:t>
+                </a:r>
+                <a:endParaRPr lang="zh-CN" altLang="en-US" sz="1400" b="1" dirty="0"/>
+              </a:p>
+            </p:txBody>
+          </p:sp>
+        </p:grpSp>
+      </p:grpSp>
     </p:spTree>
     <p:extLst>
       <p:ext uri="{BB962C8B-B14F-4D97-AF65-F5344CB8AC3E}">
@@ -9477,7 +10275,7 @@
         </p:nvSpPr>
         <p:spPr>
           <a:xfrm>
-            <a:off x="2770909" y="9236"/>
+            <a:off x="4259731" y="56128"/>
             <a:ext cx="6382327" cy="4775824"/>
           </a:xfrm>
           <a:prstGeom prst="flowChartProcess">
@@ -9517,571 +10315,13 @@
       </p:sp>
       <p:grpSp>
         <p:nvGrpSpPr>
-          <p:cNvPr id="23" name="组合 22"/>
-          <p:cNvGrpSpPr/>
-          <p:nvPr/>
-        </p:nvGrpSpPr>
-        <p:grpSpPr>
-          <a:xfrm>
-            <a:off x="112100" y="2570133"/>
-            <a:ext cx="1503527" cy="2596250"/>
-            <a:chOff x="368490" y="1429840"/>
-            <a:chExt cx="1503527" cy="2596250"/>
-          </a:xfrm>
-        </p:grpSpPr>
-        <p:grpSp>
-          <p:nvGrpSpPr>
-            <p:cNvPr id="17" name="组合 16"/>
-            <p:cNvGrpSpPr/>
-            <p:nvPr/>
-          </p:nvGrpSpPr>
-          <p:grpSpPr>
-            <a:xfrm>
-              <a:off x="368490" y="1429840"/>
-              <a:ext cx="1503527" cy="2596250"/>
-              <a:chOff x="368490" y="1429840"/>
-              <a:chExt cx="1503527" cy="2596250"/>
-            </a:xfrm>
-          </p:grpSpPr>
-          <p:sp>
-            <p:nvSpPr>
-              <p:cNvPr id="4" name="矩形 3"/>
-              <p:cNvSpPr/>
-              <p:nvPr/>
-            </p:nvSpPr>
-            <p:spPr>
-              <a:xfrm>
-                <a:off x="368490" y="1429840"/>
-                <a:ext cx="1501253" cy="2596250"/>
-              </a:xfrm>
-              <a:prstGeom prst="rect">
-                <a:avLst/>
-              </a:prstGeom>
-              <a:ln w="28575">
-                <a:solidFill>
-                  <a:schemeClr val="tx1"/>
-                </a:solidFill>
-              </a:ln>
-            </p:spPr>
-            <p:style>
-              <a:lnRef idx="2">
-                <a:schemeClr val="accent3"/>
-              </a:lnRef>
-              <a:fillRef idx="1">
-                <a:schemeClr val="lt1"/>
-              </a:fillRef>
-              <a:effectRef idx="0">
-                <a:schemeClr val="accent3"/>
-              </a:effectRef>
-              <a:fontRef idx="minor">
-                <a:schemeClr val="dk1"/>
-              </a:fontRef>
-            </p:style>
-            <p:txBody>
-              <a:bodyPr rtlCol="0" anchor="ctr"/>
-              <a:lstStyle/>
-              <a:p>
-                <a:pPr algn="ctr"/>
-                <a:endParaRPr lang="zh-CN" altLang="en-US"/>
-              </a:p>
-            </p:txBody>
-          </p:sp>
-          <p:cxnSp>
-            <p:nvCxnSpPr>
-              <p:cNvPr id="6" name="直接连接符 5"/>
-              <p:cNvCxnSpPr/>
-              <p:nvPr/>
-            </p:nvCxnSpPr>
-            <p:spPr>
-              <a:xfrm>
-                <a:off x="382137" y="1926608"/>
-                <a:ext cx="1487606" cy="0"/>
-              </a:xfrm>
-              <a:prstGeom prst="line">
-                <a:avLst/>
-              </a:prstGeom>
-              <a:ln w="28575">
-                <a:solidFill>
-                  <a:schemeClr val="tx1"/>
-                </a:solidFill>
-              </a:ln>
-            </p:spPr>
-            <p:style>
-              <a:lnRef idx="1">
-                <a:schemeClr val="accent1"/>
-              </a:lnRef>
-              <a:fillRef idx="0">
-                <a:schemeClr val="accent1"/>
-              </a:fillRef>
-              <a:effectRef idx="0">
-                <a:schemeClr val="accent1"/>
-              </a:effectRef>
-              <a:fontRef idx="minor">
-                <a:schemeClr val="tx1"/>
-              </a:fontRef>
-            </p:style>
-          </p:cxnSp>
-          <p:cxnSp>
-            <p:nvCxnSpPr>
-              <p:cNvPr id="8" name="直接连接符 7"/>
-              <p:cNvCxnSpPr/>
-              <p:nvPr/>
-            </p:nvCxnSpPr>
-            <p:spPr>
-              <a:xfrm>
-                <a:off x="368490" y="1599062"/>
-                <a:ext cx="1487606" cy="0"/>
-              </a:xfrm>
-              <a:prstGeom prst="line">
-                <a:avLst/>
-              </a:prstGeom>
-              <a:ln w="28575">
-                <a:solidFill>
-                  <a:schemeClr val="tx1"/>
-                </a:solidFill>
-              </a:ln>
-            </p:spPr>
-            <p:style>
-              <a:lnRef idx="1">
-                <a:schemeClr val="accent1"/>
-              </a:lnRef>
-              <a:fillRef idx="0">
-                <a:schemeClr val="accent1"/>
-              </a:fillRef>
-              <a:effectRef idx="0">
-                <a:schemeClr val="accent1"/>
-              </a:effectRef>
-              <a:fontRef idx="minor">
-                <a:schemeClr val="tx1"/>
-              </a:fontRef>
-            </p:style>
-          </p:cxnSp>
-          <p:cxnSp>
-            <p:nvCxnSpPr>
-              <p:cNvPr id="9" name="直接连接符 8"/>
-              <p:cNvCxnSpPr/>
-              <p:nvPr/>
-            </p:nvCxnSpPr>
-            <p:spPr>
-              <a:xfrm>
-                <a:off x="368490" y="1762835"/>
-                <a:ext cx="1487606" cy="0"/>
-              </a:xfrm>
-              <a:prstGeom prst="line">
-                <a:avLst/>
-              </a:prstGeom>
-              <a:ln w="28575">
-                <a:solidFill>
-                  <a:schemeClr val="tx1"/>
-                </a:solidFill>
-              </a:ln>
-            </p:spPr>
-            <p:style>
-              <a:lnRef idx="1">
-                <a:schemeClr val="accent1"/>
-              </a:lnRef>
-              <a:fillRef idx="0">
-                <a:schemeClr val="accent1"/>
-              </a:fillRef>
-              <a:effectRef idx="0">
-                <a:schemeClr val="accent1"/>
-              </a:effectRef>
-              <a:fontRef idx="minor">
-                <a:schemeClr val="tx1"/>
-              </a:fontRef>
-            </p:style>
-          </p:cxnSp>
-          <p:cxnSp>
-            <p:nvCxnSpPr>
-              <p:cNvPr id="10" name="直接连接符 9"/>
-              <p:cNvCxnSpPr/>
-              <p:nvPr/>
-            </p:nvCxnSpPr>
-            <p:spPr>
-              <a:xfrm>
-                <a:off x="368490" y="2090381"/>
-                <a:ext cx="1487606" cy="0"/>
-              </a:xfrm>
-              <a:prstGeom prst="line">
-                <a:avLst/>
-              </a:prstGeom>
-              <a:ln w="28575">
-                <a:solidFill>
-                  <a:schemeClr val="tx1"/>
-                </a:solidFill>
-              </a:ln>
-            </p:spPr>
-            <p:style>
-              <a:lnRef idx="1">
-                <a:schemeClr val="accent1"/>
-              </a:lnRef>
-              <a:fillRef idx="0">
-                <a:schemeClr val="accent1"/>
-              </a:fillRef>
-              <a:effectRef idx="0">
-                <a:schemeClr val="accent1"/>
-              </a:effectRef>
-              <a:fontRef idx="minor">
-                <a:schemeClr val="tx1"/>
-              </a:fontRef>
-            </p:style>
-          </p:cxnSp>
-          <p:cxnSp>
-            <p:nvCxnSpPr>
-              <p:cNvPr id="11" name="直接连接符 10"/>
-              <p:cNvCxnSpPr/>
-              <p:nvPr/>
-            </p:nvCxnSpPr>
-            <p:spPr>
-              <a:xfrm>
-                <a:off x="382137" y="2254154"/>
-                <a:ext cx="1487606" cy="0"/>
-              </a:xfrm>
-              <a:prstGeom prst="line">
-                <a:avLst/>
-              </a:prstGeom>
-              <a:ln w="28575">
-                <a:solidFill>
-                  <a:schemeClr val="tx1"/>
-                </a:solidFill>
-              </a:ln>
-            </p:spPr>
-            <p:style>
-              <a:lnRef idx="1">
-                <a:schemeClr val="accent1"/>
-              </a:lnRef>
-              <a:fillRef idx="0">
-                <a:schemeClr val="accent1"/>
-              </a:fillRef>
-              <a:effectRef idx="0">
-                <a:schemeClr val="accent1"/>
-              </a:effectRef>
-              <a:fontRef idx="minor">
-                <a:schemeClr val="tx1"/>
-              </a:fontRef>
-            </p:style>
-          </p:cxnSp>
-          <p:cxnSp>
-            <p:nvCxnSpPr>
-              <p:cNvPr id="12" name="直接连接符 11"/>
-              <p:cNvCxnSpPr/>
-              <p:nvPr/>
-            </p:nvCxnSpPr>
-            <p:spPr>
-              <a:xfrm>
-                <a:off x="384411" y="3552972"/>
-                <a:ext cx="1487606" cy="0"/>
-              </a:xfrm>
-              <a:prstGeom prst="line">
-                <a:avLst/>
-              </a:prstGeom>
-              <a:ln w="28575">
-                <a:solidFill>
-                  <a:schemeClr val="tx1"/>
-                </a:solidFill>
-              </a:ln>
-            </p:spPr>
-            <p:style>
-              <a:lnRef idx="1">
-                <a:schemeClr val="accent1"/>
-              </a:lnRef>
-              <a:fillRef idx="0">
-                <a:schemeClr val="accent1"/>
-              </a:fillRef>
-              <a:effectRef idx="0">
-                <a:schemeClr val="accent1"/>
-              </a:effectRef>
-              <a:fontRef idx="minor">
-                <a:schemeClr val="tx1"/>
-              </a:fontRef>
-            </p:style>
-          </p:cxnSp>
-          <p:cxnSp>
-            <p:nvCxnSpPr>
-              <p:cNvPr id="13" name="直接连接符 12"/>
-              <p:cNvCxnSpPr/>
-              <p:nvPr/>
-            </p:nvCxnSpPr>
-            <p:spPr>
-              <a:xfrm>
-                <a:off x="384411" y="3225426"/>
-                <a:ext cx="1487606" cy="0"/>
-              </a:xfrm>
-              <a:prstGeom prst="line">
-                <a:avLst/>
-              </a:prstGeom>
-              <a:ln w="28575">
-                <a:solidFill>
-                  <a:schemeClr val="tx1"/>
-                </a:solidFill>
-              </a:ln>
-            </p:spPr>
-            <p:style>
-              <a:lnRef idx="1">
-                <a:schemeClr val="accent1"/>
-              </a:lnRef>
-              <a:fillRef idx="0">
-                <a:schemeClr val="accent1"/>
-              </a:fillRef>
-              <a:effectRef idx="0">
-                <a:schemeClr val="accent1"/>
-              </a:effectRef>
-              <a:fontRef idx="minor">
-                <a:schemeClr val="tx1"/>
-              </a:fontRef>
-            </p:style>
-          </p:cxnSp>
-          <p:cxnSp>
-            <p:nvCxnSpPr>
-              <p:cNvPr id="14" name="直接连接符 13"/>
-              <p:cNvCxnSpPr/>
-              <p:nvPr/>
-            </p:nvCxnSpPr>
-            <p:spPr>
-              <a:xfrm>
-                <a:off x="384411" y="3389199"/>
-                <a:ext cx="1487606" cy="0"/>
-              </a:xfrm>
-              <a:prstGeom prst="line">
-                <a:avLst/>
-              </a:prstGeom>
-              <a:ln w="28575">
-                <a:solidFill>
-                  <a:schemeClr val="tx1"/>
-                </a:solidFill>
-              </a:ln>
-            </p:spPr>
-            <p:style>
-              <a:lnRef idx="1">
-                <a:schemeClr val="accent1"/>
-              </a:lnRef>
-              <a:fillRef idx="0">
-                <a:schemeClr val="accent1"/>
-              </a:fillRef>
-              <a:effectRef idx="0">
-                <a:schemeClr val="accent1"/>
-              </a:effectRef>
-              <a:fontRef idx="minor">
-                <a:schemeClr val="tx1"/>
-              </a:fontRef>
-            </p:style>
-          </p:cxnSp>
-          <p:cxnSp>
-            <p:nvCxnSpPr>
-              <p:cNvPr id="15" name="直接连接符 14"/>
-              <p:cNvCxnSpPr/>
-              <p:nvPr/>
-            </p:nvCxnSpPr>
-            <p:spPr>
-              <a:xfrm>
-                <a:off x="384411" y="3716745"/>
-                <a:ext cx="1487606" cy="0"/>
-              </a:xfrm>
-              <a:prstGeom prst="line">
-                <a:avLst/>
-              </a:prstGeom>
-              <a:ln w="28575">
-                <a:solidFill>
-                  <a:schemeClr val="tx1"/>
-                </a:solidFill>
-              </a:ln>
-            </p:spPr>
-            <p:style>
-              <a:lnRef idx="1">
-                <a:schemeClr val="accent1"/>
-              </a:lnRef>
-              <a:fillRef idx="0">
-                <a:schemeClr val="accent1"/>
-              </a:fillRef>
-              <a:effectRef idx="0">
-                <a:schemeClr val="accent1"/>
-              </a:effectRef>
-              <a:fontRef idx="minor">
-                <a:schemeClr val="tx1"/>
-              </a:fontRef>
-            </p:style>
-          </p:cxnSp>
-          <p:cxnSp>
-            <p:nvCxnSpPr>
-              <p:cNvPr id="16" name="直接连接符 15"/>
-              <p:cNvCxnSpPr/>
-              <p:nvPr/>
-            </p:nvCxnSpPr>
-            <p:spPr>
-              <a:xfrm>
-                <a:off x="384411" y="3880518"/>
-                <a:ext cx="1487606" cy="0"/>
-              </a:xfrm>
-              <a:prstGeom prst="line">
-                <a:avLst/>
-              </a:prstGeom>
-              <a:ln w="28575">
-                <a:solidFill>
-                  <a:schemeClr val="tx1"/>
-                </a:solidFill>
-              </a:ln>
-            </p:spPr>
-            <p:style>
-              <a:lnRef idx="1">
-                <a:schemeClr val="accent1"/>
-              </a:lnRef>
-              <a:fillRef idx="0">
-                <a:schemeClr val="accent1"/>
-              </a:fillRef>
-              <a:effectRef idx="0">
-                <a:schemeClr val="accent1"/>
-              </a:effectRef>
-              <a:fontRef idx="minor">
-                <a:schemeClr val="tx1"/>
-              </a:fontRef>
-            </p:style>
-          </p:cxnSp>
-        </p:grpSp>
-        <p:grpSp>
-          <p:nvGrpSpPr>
-            <p:cNvPr id="22" name="组合 21"/>
-            <p:cNvGrpSpPr/>
-            <p:nvPr/>
-          </p:nvGrpSpPr>
-          <p:grpSpPr>
-            <a:xfrm>
-              <a:off x="1050877" y="2417927"/>
-              <a:ext cx="143302" cy="582652"/>
-              <a:chOff x="1050877" y="2429301"/>
-              <a:chExt cx="143302" cy="582652"/>
-            </a:xfrm>
-          </p:grpSpPr>
-          <p:sp>
-            <p:nvSpPr>
-              <p:cNvPr id="18" name="流程图: 联系 17"/>
-              <p:cNvSpPr/>
-              <p:nvPr/>
-            </p:nvSpPr>
-            <p:spPr>
-              <a:xfrm>
-                <a:off x="1050877" y="2429301"/>
-                <a:ext cx="136478" cy="141033"/>
-              </a:xfrm>
-              <a:prstGeom prst="flowChartConnector">
-                <a:avLst/>
-              </a:prstGeom>
-            </p:spPr>
-            <p:style>
-              <a:lnRef idx="2">
-                <a:schemeClr val="dk1">
-                  <a:shade val="50000"/>
-                </a:schemeClr>
-              </a:lnRef>
-              <a:fillRef idx="1">
-                <a:schemeClr val="dk1"/>
-              </a:fillRef>
-              <a:effectRef idx="0">
-                <a:schemeClr val="dk1"/>
-              </a:effectRef>
-              <a:fontRef idx="minor">
-                <a:schemeClr val="lt1"/>
-              </a:fontRef>
-            </p:style>
-            <p:txBody>
-              <a:bodyPr rtlCol="0" anchor="ctr"/>
-              <a:lstStyle/>
-              <a:p>
-                <a:pPr algn="ctr"/>
-                <a:endParaRPr lang="zh-CN" altLang="en-US"/>
-              </a:p>
-            </p:txBody>
-          </p:sp>
-          <p:sp>
-            <p:nvSpPr>
-              <p:cNvPr id="19" name="流程图: 联系 18"/>
-              <p:cNvSpPr/>
-              <p:nvPr/>
-            </p:nvSpPr>
-            <p:spPr>
-              <a:xfrm>
-                <a:off x="1057701" y="2650110"/>
-                <a:ext cx="136478" cy="141033"/>
-              </a:xfrm>
-              <a:prstGeom prst="flowChartConnector">
-                <a:avLst/>
-              </a:prstGeom>
-            </p:spPr>
-            <p:style>
-              <a:lnRef idx="2">
-                <a:schemeClr val="dk1">
-                  <a:shade val="50000"/>
-                </a:schemeClr>
-              </a:lnRef>
-              <a:fillRef idx="1">
-                <a:schemeClr val="dk1"/>
-              </a:fillRef>
-              <a:effectRef idx="0">
-                <a:schemeClr val="dk1"/>
-              </a:effectRef>
-              <a:fontRef idx="minor">
-                <a:schemeClr val="lt1"/>
-              </a:fontRef>
-            </p:style>
-            <p:txBody>
-              <a:bodyPr rtlCol="0" anchor="ctr"/>
-              <a:lstStyle/>
-              <a:p>
-                <a:pPr algn="ctr"/>
-                <a:endParaRPr lang="zh-CN" altLang="en-US"/>
-              </a:p>
-            </p:txBody>
-          </p:sp>
-          <p:sp>
-            <p:nvSpPr>
-              <p:cNvPr id="20" name="流程图: 联系 19"/>
-              <p:cNvSpPr/>
-              <p:nvPr/>
-            </p:nvSpPr>
-            <p:spPr>
-              <a:xfrm>
-                <a:off x="1057701" y="2870920"/>
-                <a:ext cx="136478" cy="141033"/>
-              </a:xfrm>
-              <a:prstGeom prst="flowChartConnector">
-                <a:avLst/>
-              </a:prstGeom>
-            </p:spPr>
-            <p:style>
-              <a:lnRef idx="2">
-                <a:schemeClr val="dk1">
-                  <a:shade val="50000"/>
-                </a:schemeClr>
-              </a:lnRef>
-              <a:fillRef idx="1">
-                <a:schemeClr val="dk1"/>
-              </a:fillRef>
-              <a:effectRef idx="0">
-                <a:schemeClr val="dk1"/>
-              </a:effectRef>
-              <a:fontRef idx="minor">
-                <a:schemeClr val="lt1"/>
-              </a:fontRef>
-            </p:style>
-            <p:txBody>
-              <a:bodyPr rtlCol="0" anchor="ctr"/>
-              <a:lstStyle/>
-              <a:p>
-                <a:pPr algn="ctr"/>
-                <a:endParaRPr lang="zh-CN" altLang="en-US"/>
-              </a:p>
-            </p:txBody>
-          </p:sp>
-        </p:grpSp>
-      </p:grpSp>
-      <p:grpSp>
-        <p:nvGrpSpPr>
           <p:cNvPr id="78" name="组合 77"/>
           <p:cNvGrpSpPr/>
           <p:nvPr/>
         </p:nvGrpSpPr>
         <p:grpSpPr>
           <a:xfrm>
-            <a:off x="4174836" y="96553"/>
+            <a:off x="5663658" y="143445"/>
             <a:ext cx="4674077" cy="4235302"/>
             <a:chOff x="4189862" y="696919"/>
             <a:chExt cx="4659051" cy="5278090"/>
@@ -11458,7 +11698,7 @@
         </p:nvCxnSpPr>
         <p:spPr>
           <a:xfrm>
-            <a:off x="8411837" y="3543101"/>
+            <a:off x="9900659" y="3589993"/>
             <a:ext cx="1520690" cy="274782"/>
           </a:xfrm>
           <a:prstGeom prst="straightConnector1">
@@ -11485,68 +11725,13 @@
       </p:cxnSp>
       <p:sp>
         <p:nvSpPr>
-          <p:cNvPr id="83" name="流程图: 过程 82"/>
-          <p:cNvSpPr/>
-          <p:nvPr/>
-        </p:nvSpPr>
-        <p:spPr>
-          <a:xfrm>
-            <a:off x="10042180" y="2554243"/>
-            <a:ext cx="1958109" cy="2657736"/>
-          </a:xfrm>
-          <a:prstGeom prst="flowChartProcess">
-            <a:avLst/>
-          </a:prstGeom>
-          <a:solidFill>
-            <a:schemeClr val="bg1"/>
-          </a:solidFill>
-        </p:spPr>
-        <p:style>
-          <a:lnRef idx="2">
-            <a:schemeClr val="accent1">
-              <a:shade val="50000"/>
-            </a:schemeClr>
-          </a:lnRef>
-          <a:fillRef idx="1">
-            <a:schemeClr val="accent1"/>
-          </a:fillRef>
-          <a:effectRef idx="0">
-            <a:schemeClr val="accent1"/>
-          </a:effectRef>
-          <a:fontRef idx="minor">
-            <a:schemeClr val="lt1"/>
-          </a:fontRef>
-        </p:style>
-        <p:txBody>
-          <a:bodyPr rtlCol="0" anchor="ctr"/>
-          <a:lstStyle/>
-          <a:p>
-            <a:pPr algn="ctr"/>
-            <a:r>
-              <a:rPr lang="zh-CN" altLang="en-US" b="1" dirty="0" smtClean="0">
-                <a:solidFill>
-                  <a:schemeClr val="tx1"/>
-                </a:solidFill>
-              </a:rPr>
-              <a:t>最终结果</a:t>
-            </a:r>
-            <a:endParaRPr lang="zh-CN" altLang="en-US" b="1" dirty="0">
-              <a:solidFill>
-                <a:schemeClr val="tx1"/>
-              </a:solidFill>
-            </a:endParaRPr>
-          </a:p>
-        </p:txBody>
-      </p:sp>
-      <p:sp>
-        <p:nvSpPr>
           <p:cNvPr id="84" name="文本框 83"/>
           <p:cNvSpPr txBox="1"/>
           <p:nvPr/>
         </p:nvSpPr>
         <p:spPr>
           <a:xfrm>
-            <a:off x="3199850" y="2399996"/>
+            <a:off x="4688672" y="2446888"/>
             <a:ext cx="424873" cy="923330"/>
           </a:xfrm>
           <a:prstGeom prst="rect">
@@ -11576,7 +11761,7 @@
         </p:nvSpPr>
         <p:spPr>
           <a:xfrm>
-            <a:off x="2770909" y="4981998"/>
+            <a:off x="4259731" y="5028890"/>
             <a:ext cx="6382327" cy="494755"/>
           </a:xfrm>
           <a:prstGeom prst="flowChartProcess">
@@ -11634,7 +11819,7 @@
         </p:nvSpPr>
         <p:spPr>
           <a:xfrm>
-            <a:off x="2770909" y="6038289"/>
+            <a:off x="4259731" y="6085181"/>
             <a:ext cx="6382327" cy="494755"/>
           </a:xfrm>
           <a:prstGeom prst="flowChartProcess">
@@ -11708,7 +11893,7 @@
         </p:nvSpPr>
         <p:spPr>
           <a:xfrm>
-            <a:off x="5658770" y="5537979"/>
+            <a:off x="7147592" y="5584871"/>
             <a:ext cx="1126522" cy="369332"/>
           </a:xfrm>
           <a:prstGeom prst="rect">
@@ -11738,7 +11923,7 @@
         </p:nvCxnSpPr>
         <p:spPr>
           <a:xfrm flipV="1">
-            <a:off x="9218359" y="4529492"/>
+            <a:off x="10707181" y="4576384"/>
             <a:ext cx="714168" cy="674345"/>
           </a:xfrm>
           <a:prstGeom prst="straightConnector1">
@@ -11771,7 +11956,7 @@
         </p:nvCxnSpPr>
         <p:spPr>
           <a:xfrm flipV="1">
-            <a:off x="9218359" y="5306349"/>
+            <a:off x="10707181" y="5353241"/>
             <a:ext cx="1065057" cy="948306"/>
           </a:xfrm>
           <a:prstGeom prst="straightConnector1">
@@ -11804,7 +11989,7 @@
         </p:nvCxnSpPr>
         <p:spPr>
           <a:xfrm>
-            <a:off x="1686604" y="4212255"/>
+            <a:off x="3175426" y="4259147"/>
             <a:ext cx="964699" cy="1017120"/>
           </a:xfrm>
           <a:prstGeom prst="straightConnector1">
@@ -11837,7 +12022,7 @@
         </p:nvCxnSpPr>
         <p:spPr>
           <a:xfrm>
-            <a:off x="1654367" y="5306349"/>
+            <a:off x="3143189" y="5353241"/>
             <a:ext cx="964699" cy="1017120"/>
           </a:xfrm>
           <a:prstGeom prst="straightConnector1">
@@ -11870,7 +12055,7 @@
         </p:nvGrpSpPr>
         <p:grpSpPr>
           <a:xfrm>
-            <a:off x="1732959" y="1436966"/>
+            <a:off x="3221781" y="1483858"/>
             <a:ext cx="2348665" cy="1576143"/>
             <a:chOff x="1732959" y="1436966"/>
             <a:chExt cx="2348665" cy="1576143"/>
@@ -11948,7 +12133,7 @@
         </p:nvCxnSpPr>
         <p:spPr>
           <a:xfrm flipH="1">
-            <a:off x="6508628" y="96553"/>
+            <a:off x="7997450" y="143445"/>
             <a:ext cx="3246" cy="2037192"/>
           </a:xfrm>
           <a:prstGeom prst="line">
@@ -11981,7 +12166,7 @@
         </p:nvSpPr>
         <p:spPr>
           <a:xfrm>
-            <a:off x="1884219" y="3953164"/>
+            <a:off x="3373041" y="4000056"/>
             <a:ext cx="4776682" cy="664008"/>
           </a:xfrm>
           <a:custGeom>
@@ -12077,7 +12262,7 @@
         </p:nvCxnSpPr>
         <p:spPr>
           <a:xfrm>
-            <a:off x="1902691" y="3628736"/>
+            <a:off x="3391513" y="3675628"/>
             <a:ext cx="3207560" cy="254375"/>
           </a:xfrm>
           <a:prstGeom prst="straightConnector1">
@@ -12114,7 +12299,7 @@
         </p:nvSpPr>
         <p:spPr>
           <a:xfrm rot="275394">
-            <a:off x="2808770" y="3389979"/>
+            <a:off x="4297592" y="3436871"/>
             <a:ext cx="1610988" cy="369332"/>
           </a:xfrm>
           <a:prstGeom prst="rect">
@@ -12144,7 +12329,7 @@
         </p:nvSpPr>
         <p:spPr>
           <a:xfrm rot="724985">
-            <a:off x="3088407" y="3995637"/>
+            <a:off x="4577229" y="4042529"/>
             <a:ext cx="1610988" cy="369332"/>
           </a:xfrm>
           <a:prstGeom prst="rect">
@@ -12174,7 +12359,7 @@
         </p:nvGrpSpPr>
         <p:grpSpPr>
           <a:xfrm>
-            <a:off x="7327488" y="2997391"/>
+            <a:off x="8816310" y="3044283"/>
             <a:ext cx="904185" cy="977415"/>
             <a:chOff x="6597813" y="3071279"/>
             <a:chExt cx="904185" cy="977415"/>
@@ -12455,7 +12640,7 @@
         </p:nvCxnSpPr>
         <p:spPr>
           <a:xfrm flipV="1">
-            <a:off x="6350774" y="3625435"/>
+            <a:off x="7839596" y="3672327"/>
             <a:ext cx="829259" cy="1"/>
           </a:xfrm>
           <a:prstGeom prst="straightConnector1">
@@ -12488,7 +12673,7 @@
         </p:nvSpPr>
         <p:spPr>
           <a:xfrm>
-            <a:off x="6277644" y="3297514"/>
+            <a:off x="7766466" y="3344406"/>
             <a:ext cx="934105" cy="307777"/>
           </a:xfrm>
           <a:prstGeom prst="rect">
@@ -12522,7 +12707,7 @@
         </p:nvSpPr>
         <p:spPr>
           <a:xfrm>
-            <a:off x="4307174" y="1963953"/>
+            <a:off x="5795996" y="2010845"/>
             <a:ext cx="1312510" cy="307777"/>
           </a:xfrm>
           <a:prstGeom prst="rect">
@@ -12546,13 +12731,674 @@
       </p:sp>
       <p:sp>
         <p:nvSpPr>
-          <p:cNvPr id="81" name="文本框 80"/>
+          <p:cNvPr id="93" name="流程图: 过程 92"/>
+          <p:cNvSpPr/>
+          <p:nvPr/>
+        </p:nvSpPr>
+        <p:spPr>
+          <a:xfrm>
+            <a:off x="11531003" y="2601135"/>
+            <a:ext cx="606500" cy="2657736"/>
+          </a:xfrm>
+          <a:prstGeom prst="flowChartProcess">
+            <a:avLst/>
+          </a:prstGeom>
+          <a:solidFill>
+            <a:schemeClr val="bg1"/>
+          </a:solidFill>
+        </p:spPr>
+        <p:style>
+          <a:lnRef idx="2">
+            <a:schemeClr val="accent1">
+              <a:shade val="50000"/>
+            </a:schemeClr>
+          </a:lnRef>
+          <a:fillRef idx="1">
+            <a:schemeClr val="accent1"/>
+          </a:fillRef>
+          <a:effectRef idx="0">
+            <a:schemeClr val="accent1"/>
+          </a:effectRef>
+          <a:fontRef idx="minor">
+            <a:schemeClr val="lt1"/>
+          </a:fontRef>
+        </p:style>
+        <p:txBody>
+          <a:bodyPr rtlCol="0" anchor="ctr"/>
+          <a:lstStyle/>
+          <a:p>
+            <a:pPr algn="ctr"/>
+            <a:r>
+              <a:rPr lang="zh-CN" altLang="en-US" b="1" dirty="0" smtClean="0">
+                <a:solidFill>
+                  <a:schemeClr val="tx1"/>
+                </a:solidFill>
+              </a:rPr>
+              <a:t>最</a:t>
+            </a:r>
+            <a:endParaRPr lang="en-US" altLang="zh-CN" b="1" dirty="0" smtClean="0">
+              <a:solidFill>
+                <a:schemeClr val="tx1"/>
+              </a:solidFill>
+            </a:endParaRPr>
+          </a:p>
+          <a:p>
+            <a:pPr algn="ctr"/>
+            <a:r>
+              <a:rPr lang="zh-CN" altLang="en-US" b="1" dirty="0" smtClean="0">
+                <a:solidFill>
+                  <a:schemeClr val="tx1"/>
+                </a:solidFill>
+              </a:rPr>
+              <a:t>终</a:t>
+            </a:r>
+            <a:endParaRPr lang="en-US" altLang="zh-CN" b="1" dirty="0" smtClean="0">
+              <a:solidFill>
+                <a:schemeClr val="tx1"/>
+              </a:solidFill>
+            </a:endParaRPr>
+          </a:p>
+          <a:p>
+            <a:pPr algn="ctr"/>
+            <a:r>
+              <a:rPr lang="zh-CN" altLang="en-US" b="1" dirty="0" smtClean="0">
+                <a:solidFill>
+                  <a:schemeClr val="tx1"/>
+                </a:solidFill>
+              </a:rPr>
+              <a:t>结</a:t>
+            </a:r>
+            <a:endParaRPr lang="en-US" altLang="zh-CN" b="1" dirty="0" smtClean="0">
+              <a:solidFill>
+                <a:schemeClr val="tx1"/>
+              </a:solidFill>
+            </a:endParaRPr>
+          </a:p>
+          <a:p>
+            <a:pPr algn="ctr"/>
+            <a:r>
+              <a:rPr lang="zh-CN" altLang="en-US" b="1" dirty="0" smtClean="0">
+                <a:solidFill>
+                  <a:schemeClr val="tx1"/>
+                </a:solidFill>
+              </a:rPr>
+              <a:t>果</a:t>
+            </a:r>
+            <a:endParaRPr lang="zh-CN" altLang="en-US" b="1" dirty="0">
+              <a:solidFill>
+                <a:schemeClr val="tx1"/>
+              </a:solidFill>
+            </a:endParaRPr>
+          </a:p>
+        </p:txBody>
+      </p:sp>
+      <p:grpSp>
+        <p:nvGrpSpPr>
+          <p:cNvPr id="94" name="组合 93"/>
+          <p:cNvGrpSpPr/>
+          <p:nvPr/>
+        </p:nvGrpSpPr>
+        <p:grpSpPr>
+          <a:xfrm>
+            <a:off x="2396135" y="2617025"/>
+            <a:ext cx="708314" cy="2596250"/>
+            <a:chOff x="368490" y="1429840"/>
+            <a:chExt cx="1503527" cy="2596250"/>
+          </a:xfrm>
+        </p:grpSpPr>
+        <p:grpSp>
+          <p:nvGrpSpPr>
+            <p:cNvPr id="95" name="组合 94"/>
+            <p:cNvGrpSpPr/>
+            <p:nvPr/>
+          </p:nvGrpSpPr>
+          <p:grpSpPr>
+            <a:xfrm>
+              <a:off x="368490" y="1429840"/>
+              <a:ext cx="1503527" cy="2596250"/>
+              <a:chOff x="368490" y="1429840"/>
+              <a:chExt cx="1503527" cy="2596250"/>
+            </a:xfrm>
+          </p:grpSpPr>
+          <p:sp>
+            <p:nvSpPr>
+              <p:cNvPr id="105" name="矩形 104"/>
+              <p:cNvSpPr/>
+              <p:nvPr/>
+            </p:nvSpPr>
+            <p:spPr>
+              <a:xfrm>
+                <a:off x="368490" y="1429840"/>
+                <a:ext cx="1501253" cy="2596250"/>
+              </a:xfrm>
+              <a:prstGeom prst="rect">
+                <a:avLst/>
+              </a:prstGeom>
+              <a:ln w="28575">
+                <a:solidFill>
+                  <a:schemeClr val="tx1"/>
+                </a:solidFill>
+              </a:ln>
+            </p:spPr>
+            <p:style>
+              <a:lnRef idx="2">
+                <a:schemeClr val="accent3"/>
+              </a:lnRef>
+              <a:fillRef idx="1">
+                <a:schemeClr val="lt1"/>
+              </a:fillRef>
+              <a:effectRef idx="0">
+                <a:schemeClr val="accent3"/>
+              </a:effectRef>
+              <a:fontRef idx="minor">
+                <a:schemeClr val="dk1"/>
+              </a:fontRef>
+            </p:style>
+            <p:txBody>
+              <a:bodyPr rtlCol="0" anchor="ctr"/>
+              <a:lstStyle/>
+              <a:p>
+                <a:pPr algn="ctr"/>
+                <a:endParaRPr lang="zh-CN" altLang="en-US"/>
+              </a:p>
+            </p:txBody>
+          </p:sp>
+          <p:cxnSp>
+            <p:nvCxnSpPr>
+              <p:cNvPr id="106" name="直接连接符 105"/>
+              <p:cNvCxnSpPr/>
+              <p:nvPr/>
+            </p:nvCxnSpPr>
+            <p:spPr>
+              <a:xfrm>
+                <a:off x="382137" y="1926608"/>
+                <a:ext cx="1487606" cy="0"/>
+              </a:xfrm>
+              <a:prstGeom prst="line">
+                <a:avLst/>
+              </a:prstGeom>
+              <a:ln w="28575">
+                <a:solidFill>
+                  <a:schemeClr val="tx1"/>
+                </a:solidFill>
+              </a:ln>
+            </p:spPr>
+            <p:style>
+              <a:lnRef idx="1">
+                <a:schemeClr val="accent1"/>
+              </a:lnRef>
+              <a:fillRef idx="0">
+                <a:schemeClr val="accent1"/>
+              </a:fillRef>
+              <a:effectRef idx="0">
+                <a:schemeClr val="accent1"/>
+              </a:effectRef>
+              <a:fontRef idx="minor">
+                <a:schemeClr val="tx1"/>
+              </a:fontRef>
+            </p:style>
+          </p:cxnSp>
+          <p:cxnSp>
+            <p:nvCxnSpPr>
+              <p:cNvPr id="107" name="直接连接符 106"/>
+              <p:cNvCxnSpPr/>
+              <p:nvPr/>
+            </p:nvCxnSpPr>
+            <p:spPr>
+              <a:xfrm>
+                <a:off x="368490" y="1599062"/>
+                <a:ext cx="1487606" cy="0"/>
+              </a:xfrm>
+              <a:prstGeom prst="line">
+                <a:avLst/>
+              </a:prstGeom>
+              <a:ln w="28575">
+                <a:solidFill>
+                  <a:schemeClr val="tx1"/>
+                </a:solidFill>
+              </a:ln>
+            </p:spPr>
+            <p:style>
+              <a:lnRef idx="1">
+                <a:schemeClr val="accent1"/>
+              </a:lnRef>
+              <a:fillRef idx="0">
+                <a:schemeClr val="accent1"/>
+              </a:fillRef>
+              <a:effectRef idx="0">
+                <a:schemeClr val="accent1"/>
+              </a:effectRef>
+              <a:fontRef idx="minor">
+                <a:schemeClr val="tx1"/>
+              </a:fontRef>
+            </p:style>
+          </p:cxnSp>
+          <p:cxnSp>
+            <p:nvCxnSpPr>
+              <p:cNvPr id="108" name="直接连接符 107"/>
+              <p:cNvCxnSpPr/>
+              <p:nvPr/>
+            </p:nvCxnSpPr>
+            <p:spPr>
+              <a:xfrm>
+                <a:off x="368490" y="1762835"/>
+                <a:ext cx="1487606" cy="0"/>
+              </a:xfrm>
+              <a:prstGeom prst="line">
+                <a:avLst/>
+              </a:prstGeom>
+              <a:ln w="28575">
+                <a:solidFill>
+                  <a:schemeClr val="tx1"/>
+                </a:solidFill>
+              </a:ln>
+            </p:spPr>
+            <p:style>
+              <a:lnRef idx="1">
+                <a:schemeClr val="accent1"/>
+              </a:lnRef>
+              <a:fillRef idx="0">
+                <a:schemeClr val="accent1"/>
+              </a:fillRef>
+              <a:effectRef idx="0">
+                <a:schemeClr val="accent1"/>
+              </a:effectRef>
+              <a:fontRef idx="minor">
+                <a:schemeClr val="tx1"/>
+              </a:fontRef>
+            </p:style>
+          </p:cxnSp>
+          <p:cxnSp>
+            <p:nvCxnSpPr>
+              <p:cNvPr id="109" name="直接连接符 108"/>
+              <p:cNvCxnSpPr/>
+              <p:nvPr/>
+            </p:nvCxnSpPr>
+            <p:spPr>
+              <a:xfrm>
+                <a:off x="368490" y="2090381"/>
+                <a:ext cx="1487606" cy="0"/>
+              </a:xfrm>
+              <a:prstGeom prst="line">
+                <a:avLst/>
+              </a:prstGeom>
+              <a:ln w="28575">
+                <a:solidFill>
+                  <a:schemeClr val="tx1"/>
+                </a:solidFill>
+              </a:ln>
+            </p:spPr>
+            <p:style>
+              <a:lnRef idx="1">
+                <a:schemeClr val="accent1"/>
+              </a:lnRef>
+              <a:fillRef idx="0">
+                <a:schemeClr val="accent1"/>
+              </a:fillRef>
+              <a:effectRef idx="0">
+                <a:schemeClr val="accent1"/>
+              </a:effectRef>
+              <a:fontRef idx="minor">
+                <a:schemeClr val="tx1"/>
+              </a:fontRef>
+            </p:style>
+          </p:cxnSp>
+          <p:cxnSp>
+            <p:nvCxnSpPr>
+              <p:cNvPr id="110" name="直接连接符 109"/>
+              <p:cNvCxnSpPr/>
+              <p:nvPr/>
+            </p:nvCxnSpPr>
+            <p:spPr>
+              <a:xfrm>
+                <a:off x="382137" y="2254154"/>
+                <a:ext cx="1487606" cy="0"/>
+              </a:xfrm>
+              <a:prstGeom prst="line">
+                <a:avLst/>
+              </a:prstGeom>
+              <a:ln w="28575">
+                <a:solidFill>
+                  <a:schemeClr val="tx1"/>
+                </a:solidFill>
+              </a:ln>
+            </p:spPr>
+            <p:style>
+              <a:lnRef idx="1">
+                <a:schemeClr val="accent1"/>
+              </a:lnRef>
+              <a:fillRef idx="0">
+                <a:schemeClr val="accent1"/>
+              </a:fillRef>
+              <a:effectRef idx="0">
+                <a:schemeClr val="accent1"/>
+              </a:effectRef>
+              <a:fontRef idx="minor">
+                <a:schemeClr val="tx1"/>
+              </a:fontRef>
+            </p:style>
+          </p:cxnSp>
+          <p:cxnSp>
+            <p:nvCxnSpPr>
+              <p:cNvPr id="111" name="直接连接符 110"/>
+              <p:cNvCxnSpPr/>
+              <p:nvPr/>
+            </p:nvCxnSpPr>
+            <p:spPr>
+              <a:xfrm>
+                <a:off x="384411" y="3552972"/>
+                <a:ext cx="1487606" cy="0"/>
+              </a:xfrm>
+              <a:prstGeom prst="line">
+                <a:avLst/>
+              </a:prstGeom>
+              <a:ln w="28575">
+                <a:solidFill>
+                  <a:schemeClr val="tx1"/>
+                </a:solidFill>
+              </a:ln>
+            </p:spPr>
+            <p:style>
+              <a:lnRef idx="1">
+                <a:schemeClr val="accent1"/>
+              </a:lnRef>
+              <a:fillRef idx="0">
+                <a:schemeClr val="accent1"/>
+              </a:fillRef>
+              <a:effectRef idx="0">
+                <a:schemeClr val="accent1"/>
+              </a:effectRef>
+              <a:fontRef idx="minor">
+                <a:schemeClr val="tx1"/>
+              </a:fontRef>
+            </p:style>
+          </p:cxnSp>
+          <p:cxnSp>
+            <p:nvCxnSpPr>
+              <p:cNvPr id="112" name="直接连接符 111"/>
+              <p:cNvCxnSpPr/>
+              <p:nvPr/>
+            </p:nvCxnSpPr>
+            <p:spPr>
+              <a:xfrm>
+                <a:off x="384411" y="3225426"/>
+                <a:ext cx="1487606" cy="0"/>
+              </a:xfrm>
+              <a:prstGeom prst="line">
+                <a:avLst/>
+              </a:prstGeom>
+              <a:ln w="28575">
+                <a:solidFill>
+                  <a:schemeClr val="tx1"/>
+                </a:solidFill>
+              </a:ln>
+            </p:spPr>
+            <p:style>
+              <a:lnRef idx="1">
+                <a:schemeClr val="accent1"/>
+              </a:lnRef>
+              <a:fillRef idx="0">
+                <a:schemeClr val="accent1"/>
+              </a:fillRef>
+              <a:effectRef idx="0">
+                <a:schemeClr val="accent1"/>
+              </a:effectRef>
+              <a:fontRef idx="minor">
+                <a:schemeClr val="tx1"/>
+              </a:fontRef>
+            </p:style>
+          </p:cxnSp>
+          <p:cxnSp>
+            <p:nvCxnSpPr>
+              <p:cNvPr id="113" name="直接连接符 112"/>
+              <p:cNvCxnSpPr/>
+              <p:nvPr/>
+            </p:nvCxnSpPr>
+            <p:spPr>
+              <a:xfrm>
+                <a:off x="384411" y="3389199"/>
+                <a:ext cx="1487606" cy="0"/>
+              </a:xfrm>
+              <a:prstGeom prst="line">
+                <a:avLst/>
+              </a:prstGeom>
+              <a:ln w="28575">
+                <a:solidFill>
+                  <a:schemeClr val="tx1"/>
+                </a:solidFill>
+              </a:ln>
+            </p:spPr>
+            <p:style>
+              <a:lnRef idx="1">
+                <a:schemeClr val="accent1"/>
+              </a:lnRef>
+              <a:fillRef idx="0">
+                <a:schemeClr val="accent1"/>
+              </a:fillRef>
+              <a:effectRef idx="0">
+                <a:schemeClr val="accent1"/>
+              </a:effectRef>
+              <a:fontRef idx="minor">
+                <a:schemeClr val="tx1"/>
+              </a:fontRef>
+            </p:style>
+          </p:cxnSp>
+          <p:cxnSp>
+            <p:nvCxnSpPr>
+              <p:cNvPr id="114" name="直接连接符 113"/>
+              <p:cNvCxnSpPr/>
+              <p:nvPr/>
+            </p:nvCxnSpPr>
+            <p:spPr>
+              <a:xfrm>
+                <a:off x="384411" y="3716745"/>
+                <a:ext cx="1487606" cy="0"/>
+              </a:xfrm>
+              <a:prstGeom prst="line">
+                <a:avLst/>
+              </a:prstGeom>
+              <a:ln w="28575">
+                <a:solidFill>
+                  <a:schemeClr val="tx1"/>
+                </a:solidFill>
+              </a:ln>
+            </p:spPr>
+            <p:style>
+              <a:lnRef idx="1">
+                <a:schemeClr val="accent1"/>
+              </a:lnRef>
+              <a:fillRef idx="0">
+                <a:schemeClr val="accent1"/>
+              </a:fillRef>
+              <a:effectRef idx="0">
+                <a:schemeClr val="accent1"/>
+              </a:effectRef>
+              <a:fontRef idx="minor">
+                <a:schemeClr val="tx1"/>
+              </a:fontRef>
+            </p:style>
+          </p:cxnSp>
+          <p:cxnSp>
+            <p:nvCxnSpPr>
+              <p:cNvPr id="115" name="直接连接符 114"/>
+              <p:cNvCxnSpPr/>
+              <p:nvPr/>
+            </p:nvCxnSpPr>
+            <p:spPr>
+              <a:xfrm>
+                <a:off x="384411" y="3880518"/>
+                <a:ext cx="1487606" cy="0"/>
+              </a:xfrm>
+              <a:prstGeom prst="line">
+                <a:avLst/>
+              </a:prstGeom>
+              <a:ln w="28575">
+                <a:solidFill>
+                  <a:schemeClr val="tx1"/>
+                </a:solidFill>
+              </a:ln>
+            </p:spPr>
+            <p:style>
+              <a:lnRef idx="1">
+                <a:schemeClr val="accent1"/>
+              </a:lnRef>
+              <a:fillRef idx="0">
+                <a:schemeClr val="accent1"/>
+              </a:fillRef>
+              <a:effectRef idx="0">
+                <a:schemeClr val="accent1"/>
+              </a:effectRef>
+              <a:fontRef idx="minor">
+                <a:schemeClr val="tx1"/>
+              </a:fontRef>
+            </p:style>
+          </p:cxnSp>
+        </p:grpSp>
+        <p:grpSp>
+          <p:nvGrpSpPr>
+            <p:cNvPr id="97" name="组合 96"/>
+            <p:cNvGrpSpPr/>
+            <p:nvPr/>
+          </p:nvGrpSpPr>
+          <p:grpSpPr>
+            <a:xfrm>
+              <a:off x="1050877" y="2417927"/>
+              <a:ext cx="143302" cy="582652"/>
+              <a:chOff x="1050877" y="2429301"/>
+              <a:chExt cx="143302" cy="582652"/>
+            </a:xfrm>
+          </p:grpSpPr>
+          <p:sp>
+            <p:nvSpPr>
+              <p:cNvPr id="99" name="流程图: 联系 98"/>
+              <p:cNvSpPr/>
+              <p:nvPr/>
+            </p:nvSpPr>
+            <p:spPr>
+              <a:xfrm>
+                <a:off x="1050877" y="2429301"/>
+                <a:ext cx="136478" cy="141033"/>
+              </a:xfrm>
+              <a:prstGeom prst="flowChartConnector">
+                <a:avLst/>
+              </a:prstGeom>
+            </p:spPr>
+            <p:style>
+              <a:lnRef idx="2">
+                <a:schemeClr val="dk1">
+                  <a:shade val="50000"/>
+                </a:schemeClr>
+              </a:lnRef>
+              <a:fillRef idx="1">
+                <a:schemeClr val="dk1"/>
+              </a:fillRef>
+              <a:effectRef idx="0">
+                <a:schemeClr val="dk1"/>
+              </a:effectRef>
+              <a:fontRef idx="minor">
+                <a:schemeClr val="lt1"/>
+              </a:fontRef>
+            </p:style>
+            <p:txBody>
+              <a:bodyPr rtlCol="0" anchor="ctr"/>
+              <a:lstStyle/>
+              <a:p>
+                <a:pPr algn="ctr"/>
+                <a:endParaRPr lang="zh-CN" altLang="en-US"/>
+              </a:p>
+            </p:txBody>
+          </p:sp>
+          <p:sp>
+            <p:nvSpPr>
+              <p:cNvPr id="100" name="流程图: 联系 99"/>
+              <p:cNvSpPr/>
+              <p:nvPr/>
+            </p:nvSpPr>
+            <p:spPr>
+              <a:xfrm>
+                <a:off x="1057701" y="2650110"/>
+                <a:ext cx="136478" cy="141033"/>
+              </a:xfrm>
+              <a:prstGeom prst="flowChartConnector">
+                <a:avLst/>
+              </a:prstGeom>
+            </p:spPr>
+            <p:style>
+              <a:lnRef idx="2">
+                <a:schemeClr val="dk1">
+                  <a:shade val="50000"/>
+                </a:schemeClr>
+              </a:lnRef>
+              <a:fillRef idx="1">
+                <a:schemeClr val="dk1"/>
+              </a:fillRef>
+              <a:effectRef idx="0">
+                <a:schemeClr val="dk1"/>
+              </a:effectRef>
+              <a:fontRef idx="minor">
+                <a:schemeClr val="lt1"/>
+              </a:fontRef>
+            </p:style>
+            <p:txBody>
+              <a:bodyPr rtlCol="0" anchor="ctr"/>
+              <a:lstStyle/>
+              <a:p>
+                <a:pPr algn="ctr"/>
+                <a:endParaRPr lang="zh-CN" altLang="en-US"/>
+              </a:p>
+            </p:txBody>
+          </p:sp>
+          <p:sp>
+            <p:nvSpPr>
+              <p:cNvPr id="101" name="流程图: 联系 100"/>
+              <p:cNvSpPr/>
+              <p:nvPr/>
+            </p:nvSpPr>
+            <p:spPr>
+              <a:xfrm>
+                <a:off x="1057701" y="2870920"/>
+                <a:ext cx="136478" cy="141033"/>
+              </a:xfrm>
+              <a:prstGeom prst="flowChartConnector">
+                <a:avLst/>
+              </a:prstGeom>
+            </p:spPr>
+            <p:style>
+              <a:lnRef idx="2">
+                <a:schemeClr val="dk1">
+                  <a:shade val="50000"/>
+                </a:schemeClr>
+              </a:lnRef>
+              <a:fillRef idx="1">
+                <a:schemeClr val="dk1"/>
+              </a:fillRef>
+              <a:effectRef idx="0">
+                <a:schemeClr val="dk1"/>
+              </a:effectRef>
+              <a:fontRef idx="minor">
+                <a:schemeClr val="lt1"/>
+              </a:fontRef>
+            </p:style>
+            <p:txBody>
+              <a:bodyPr rtlCol="0" anchor="ctr"/>
+              <a:lstStyle/>
+              <a:p>
+                <a:pPr algn="ctr"/>
+                <a:endParaRPr lang="zh-CN" altLang="en-US"/>
+              </a:p>
+            </p:txBody>
+          </p:sp>
+        </p:grpSp>
+      </p:grpSp>
+      <p:sp>
+        <p:nvSpPr>
+          <p:cNvPr id="116" name="文本框 115"/>
           <p:cNvSpPr txBox="1"/>
           <p:nvPr/>
         </p:nvSpPr>
         <p:spPr>
           <a:xfrm>
-            <a:off x="316523" y="2133600"/>
+            <a:off x="2143190" y="2157872"/>
             <a:ext cx="1206704" cy="369332"/>
           </a:xfrm>
           <a:prstGeom prst="rect">
@@ -12574,6 +13420,357 @@
           </a:p>
         </p:txBody>
       </p:sp>
+      <p:sp>
+        <p:nvSpPr>
+          <p:cNvPr id="117" name="文本框 116"/>
+          <p:cNvSpPr txBox="1"/>
+          <p:nvPr/>
+        </p:nvSpPr>
+        <p:spPr>
+          <a:xfrm>
+            <a:off x="178821" y="96908"/>
+            <a:ext cx="3314531" cy="923330"/>
+          </a:xfrm>
+          <a:prstGeom prst="rect">
+            <a:avLst/>
+          </a:prstGeom>
+          <a:noFill/>
+        </p:spPr>
+        <p:txBody>
+          <a:bodyPr wrap="square" rtlCol="0">
+            <a:spAutoFit/>
+          </a:bodyPr>
+          <a:lstStyle/>
+          <a:p>
+            <a:r>
+              <a:rPr lang="zh-CN" altLang="en-US" dirty="0" smtClean="0"/>
+              <a:t>对比</a:t>
+            </a:r>
+            <a:r>
+              <a:rPr lang="en-US" altLang="zh-CN" dirty="0" smtClean="0"/>
+              <a:t>Spark</a:t>
+            </a:r>
+            <a:r>
+              <a:rPr lang="zh-CN" altLang="en-US" dirty="0" smtClean="0"/>
+              <a:t>社区</a:t>
+            </a:r>
+            <a:r>
+              <a:rPr lang="en-US" altLang="zh-CN" dirty="0" smtClean="0"/>
+              <a:t>LSH</a:t>
+            </a:r>
+            <a:r>
+              <a:rPr lang="zh-CN" altLang="en-US" dirty="0" smtClean="0"/>
+              <a:t>，速率提升</a:t>
+            </a:r>
+            <a:r>
+              <a:rPr lang="en-US" altLang="zh-CN" dirty="0" smtClean="0"/>
+              <a:t>12.4</a:t>
+            </a:r>
+            <a:r>
+              <a:rPr lang="zh-CN" altLang="en-US" dirty="0" smtClean="0"/>
+              <a:t>倍。优化思路主要为算法角度，工程角度以及两者结合。</a:t>
+            </a:r>
+            <a:endParaRPr lang="zh-CN" altLang="en-US" dirty="0"/>
+          </a:p>
+        </p:txBody>
+      </p:sp>
+      <p:grpSp>
+        <p:nvGrpSpPr>
+          <p:cNvPr id="137" name="组合 136"/>
+          <p:cNvGrpSpPr/>
+          <p:nvPr/>
+        </p:nvGrpSpPr>
+        <p:grpSpPr>
+          <a:xfrm>
+            <a:off x="730320" y="1051787"/>
+            <a:ext cx="2537213" cy="1017560"/>
+            <a:chOff x="730320" y="1051787"/>
+            <a:chExt cx="2537213" cy="1017560"/>
+          </a:xfrm>
+        </p:grpSpPr>
+        <p:sp>
+          <p:nvSpPr>
+            <p:cNvPr id="138" name="文本框 137"/>
+            <p:cNvSpPr txBox="1"/>
+            <p:nvPr/>
+          </p:nvSpPr>
+          <p:spPr>
+            <a:xfrm>
+              <a:off x="2367523" y="1556358"/>
+              <a:ext cx="900010" cy="307777"/>
+            </a:xfrm>
+            <a:prstGeom prst="rect">
+              <a:avLst/>
+            </a:prstGeom>
+            <a:noFill/>
+          </p:spPr>
+          <p:txBody>
+            <a:bodyPr wrap="square" rtlCol="0">
+              <a:spAutoFit/>
+            </a:bodyPr>
+            <a:lstStyle/>
+            <a:p>
+              <a:r>
+                <a:rPr lang="en-US" altLang="zh-CN" sz="1400" b="1" dirty="0" smtClean="0"/>
+                <a:t>20%</a:t>
+              </a:r>
+              <a:endParaRPr lang="zh-CN" altLang="en-US" sz="1400" b="1" dirty="0"/>
+            </a:p>
+          </p:txBody>
+        </p:sp>
+        <p:grpSp>
+          <p:nvGrpSpPr>
+            <p:cNvPr id="139" name="组合 138"/>
+            <p:cNvGrpSpPr/>
+            <p:nvPr/>
+          </p:nvGrpSpPr>
+          <p:grpSpPr>
+            <a:xfrm>
+              <a:off x="730320" y="1051787"/>
+              <a:ext cx="2133046" cy="1017560"/>
+              <a:chOff x="363415" y="1016930"/>
+              <a:chExt cx="2133046" cy="1017560"/>
+            </a:xfrm>
+          </p:grpSpPr>
+          <p:grpSp>
+            <p:nvGrpSpPr>
+              <p:cNvPr id="140" name="组合 139"/>
+              <p:cNvGrpSpPr/>
+              <p:nvPr/>
+            </p:nvGrpSpPr>
+            <p:grpSpPr>
+              <a:xfrm>
+                <a:off x="363415" y="1322096"/>
+                <a:ext cx="2129730" cy="712394"/>
+                <a:chOff x="175847" y="1251758"/>
+                <a:chExt cx="2129730" cy="712394"/>
+              </a:xfrm>
+            </p:grpSpPr>
+            <p:sp>
+              <p:nvSpPr>
+                <p:cNvPr id="145" name="椭圆 144"/>
+                <p:cNvSpPr/>
+                <p:nvPr/>
+              </p:nvSpPr>
+              <p:spPr>
+                <a:xfrm>
+                  <a:off x="175847" y="1254369"/>
+                  <a:ext cx="1641231" cy="709783"/>
+                </a:xfrm>
+                <a:prstGeom prst="ellipse">
+                  <a:avLst/>
+                </a:prstGeom>
+                <a:solidFill>
+                  <a:schemeClr val="bg1"/>
+                </a:solidFill>
+                <a:ln>
+                  <a:solidFill>
+                    <a:schemeClr val="tx1"/>
+                  </a:solidFill>
+                </a:ln>
+              </p:spPr>
+              <p:style>
+                <a:lnRef idx="2">
+                  <a:schemeClr val="accent1">
+                    <a:shade val="50000"/>
+                  </a:schemeClr>
+                </a:lnRef>
+                <a:fillRef idx="1">
+                  <a:schemeClr val="accent1"/>
+                </a:fillRef>
+                <a:effectRef idx="0">
+                  <a:schemeClr val="accent1"/>
+                </a:effectRef>
+                <a:fontRef idx="minor">
+                  <a:schemeClr val="lt1"/>
+                </a:fontRef>
+              </p:style>
+              <p:txBody>
+                <a:bodyPr rtlCol="0" anchor="ctr"/>
+                <a:lstStyle/>
+                <a:p>
+                  <a:pPr algn="ctr"/>
+                  <a:endParaRPr lang="zh-CN" altLang="en-US" dirty="0">
+                    <a:solidFill>
+                      <a:schemeClr val="tx1"/>
+                    </a:solidFill>
+                  </a:endParaRPr>
+                </a:p>
+              </p:txBody>
+            </p:sp>
+            <p:sp>
+              <p:nvSpPr>
+                <p:cNvPr id="146" name="椭圆 145"/>
+                <p:cNvSpPr/>
+                <p:nvPr/>
+              </p:nvSpPr>
+              <p:spPr>
+                <a:xfrm>
+                  <a:off x="664346" y="1251758"/>
+                  <a:ext cx="1641231" cy="709783"/>
+                </a:xfrm>
+                <a:prstGeom prst="ellipse">
+                  <a:avLst/>
+                </a:prstGeom>
+                <a:noFill/>
+                <a:ln>
+                  <a:solidFill>
+                    <a:schemeClr val="tx1"/>
+                  </a:solidFill>
+                </a:ln>
+              </p:spPr>
+              <p:style>
+                <a:lnRef idx="2">
+                  <a:schemeClr val="accent2">
+                    <a:shade val="50000"/>
+                  </a:schemeClr>
+                </a:lnRef>
+                <a:fillRef idx="1">
+                  <a:schemeClr val="accent2"/>
+                </a:fillRef>
+                <a:effectRef idx="0">
+                  <a:schemeClr val="accent2"/>
+                </a:effectRef>
+                <a:fontRef idx="minor">
+                  <a:schemeClr val="lt1"/>
+                </a:fontRef>
+              </p:style>
+              <p:txBody>
+                <a:bodyPr rtlCol="0" anchor="ctr"/>
+                <a:lstStyle/>
+                <a:p>
+                  <a:pPr algn="ctr"/>
+                  <a:endParaRPr lang="zh-CN" altLang="en-US" dirty="0">
+                    <a:solidFill>
+                      <a:schemeClr val="tx1"/>
+                    </a:solidFill>
+                  </a:endParaRPr>
+                </a:p>
+              </p:txBody>
+            </p:sp>
+          </p:grpSp>
+          <p:sp>
+            <p:nvSpPr>
+              <p:cNvPr id="141" name="文本框 140"/>
+              <p:cNvSpPr txBox="1"/>
+              <p:nvPr/>
+            </p:nvSpPr>
+            <p:spPr>
+              <a:xfrm>
+                <a:off x="564954" y="1016930"/>
+                <a:ext cx="900010" cy="307777"/>
+              </a:xfrm>
+              <a:prstGeom prst="rect">
+                <a:avLst/>
+              </a:prstGeom>
+              <a:noFill/>
+            </p:spPr>
+            <p:txBody>
+              <a:bodyPr wrap="square" rtlCol="0">
+                <a:spAutoFit/>
+              </a:bodyPr>
+              <a:lstStyle/>
+              <a:p>
+                <a:r>
+                  <a:rPr lang="zh-CN" altLang="en-US" sz="1400" b="1" dirty="0" smtClean="0"/>
+                  <a:t>算法</a:t>
+                </a:r>
+                <a:endParaRPr lang="zh-CN" altLang="en-US" sz="1400" b="1" dirty="0"/>
+              </a:p>
+            </p:txBody>
+          </p:sp>
+          <p:sp>
+            <p:nvSpPr>
+              <p:cNvPr id="142" name="文本框 141"/>
+              <p:cNvSpPr txBox="1"/>
+              <p:nvPr/>
+            </p:nvSpPr>
+            <p:spPr>
+              <a:xfrm>
+                <a:off x="1596451" y="1028840"/>
+                <a:ext cx="900010" cy="307777"/>
+              </a:xfrm>
+              <a:prstGeom prst="rect">
+                <a:avLst/>
+              </a:prstGeom>
+              <a:noFill/>
+            </p:spPr>
+            <p:txBody>
+              <a:bodyPr wrap="square" rtlCol="0">
+                <a:spAutoFit/>
+              </a:bodyPr>
+              <a:lstStyle/>
+              <a:p>
+                <a:r>
+                  <a:rPr lang="zh-CN" altLang="en-US" sz="1400" b="1" dirty="0" smtClean="0"/>
+                  <a:t>工程</a:t>
+                </a:r>
+                <a:endParaRPr lang="zh-CN" altLang="en-US" sz="1400" b="1" dirty="0"/>
+              </a:p>
+            </p:txBody>
+          </p:sp>
+          <p:sp>
+            <p:nvSpPr>
+              <p:cNvPr id="143" name="文本框 142"/>
+              <p:cNvSpPr txBox="1"/>
+              <p:nvPr/>
+            </p:nvSpPr>
+            <p:spPr>
+              <a:xfrm>
+                <a:off x="365223" y="1523098"/>
+                <a:ext cx="900010" cy="307777"/>
+              </a:xfrm>
+              <a:prstGeom prst="rect">
+                <a:avLst/>
+              </a:prstGeom>
+              <a:noFill/>
+            </p:spPr>
+            <p:txBody>
+              <a:bodyPr wrap="square" rtlCol="0">
+                <a:spAutoFit/>
+              </a:bodyPr>
+              <a:lstStyle/>
+              <a:p>
+                <a:r>
+                  <a:rPr lang="en-US" altLang="zh-CN" sz="1400" b="1" dirty="0" smtClean="0"/>
+                  <a:t>30%</a:t>
+                </a:r>
+                <a:endParaRPr lang="zh-CN" altLang="en-US" sz="1400" b="1" dirty="0"/>
+              </a:p>
+            </p:txBody>
+          </p:sp>
+          <p:sp>
+            <p:nvSpPr>
+              <p:cNvPr id="144" name="文本框 143"/>
+              <p:cNvSpPr txBox="1"/>
+              <p:nvPr/>
+            </p:nvSpPr>
+            <p:spPr>
+              <a:xfrm>
+                <a:off x="1206951" y="1520362"/>
+                <a:ext cx="900010" cy="307777"/>
+              </a:xfrm>
+              <a:prstGeom prst="rect">
+                <a:avLst/>
+              </a:prstGeom>
+              <a:noFill/>
+            </p:spPr>
+            <p:txBody>
+              <a:bodyPr wrap="square" rtlCol="0">
+                <a:spAutoFit/>
+              </a:bodyPr>
+              <a:lstStyle/>
+              <a:p>
+                <a:r>
+                  <a:rPr lang="en-US" altLang="zh-CN" sz="1400" b="1" dirty="0" smtClean="0"/>
+                  <a:t>50%</a:t>
+                </a:r>
+                <a:endParaRPr lang="zh-CN" altLang="en-US" sz="1400" b="1" dirty="0"/>
+              </a:p>
+            </p:txBody>
+          </p:sp>
+        </p:grpSp>
+      </p:grpSp>
     </p:spTree>
     <p:extLst>
       <p:ext uri="{BB962C8B-B14F-4D97-AF65-F5344CB8AC3E}">
